--- a/4. UI/Day 33/Slides/10. Retrieving Data Using HTTP/retrieving-data-using-http-slides.pptx
+++ b/4. UI/Day 33/Slides/10. Retrieving Data Using HTTP/retrieving-data-using-http-slides.pptx
@@ -5,46 +5,46 @@
     <p:sldMasterId id="2147483648" r:id="rId1"/>
   </p:sldMasterIdLst>
   <p:notesMasterIdLst>
-    <p:notesMasterId r:id="rId40"/>
+    <p:notesMasterId r:id="rId39"/>
   </p:notesMasterIdLst>
   <p:sldIdLst>
-    <p:sldId id="256" r:id="rId3"/>
-    <p:sldId id="257" r:id="rId4"/>
-    <p:sldId id="258" r:id="rId5"/>
-    <p:sldId id="259" r:id="rId6"/>
-    <p:sldId id="260" r:id="rId7"/>
-    <p:sldId id="261" r:id="rId8"/>
-    <p:sldId id="262" r:id="rId9"/>
-    <p:sldId id="263" r:id="rId10"/>
-    <p:sldId id="264" r:id="rId11"/>
-    <p:sldId id="265" r:id="rId12"/>
-    <p:sldId id="266" r:id="rId13"/>
-    <p:sldId id="267" r:id="rId14"/>
-    <p:sldId id="293" r:id="rId15"/>
-    <p:sldId id="268" r:id="rId16"/>
-    <p:sldId id="269" r:id="rId17"/>
-    <p:sldId id="270" r:id="rId18"/>
-    <p:sldId id="271" r:id="rId19"/>
-    <p:sldId id="272" r:id="rId20"/>
-    <p:sldId id="273" r:id="rId21"/>
-    <p:sldId id="274" r:id="rId22"/>
-    <p:sldId id="275" r:id="rId23"/>
-    <p:sldId id="276" r:id="rId24"/>
-    <p:sldId id="277" r:id="rId25"/>
-    <p:sldId id="278" r:id="rId26"/>
-    <p:sldId id="279" r:id="rId27"/>
-    <p:sldId id="280" r:id="rId28"/>
-    <p:sldId id="281" r:id="rId29"/>
-    <p:sldId id="282" r:id="rId30"/>
-    <p:sldId id="283" r:id="rId31"/>
-    <p:sldId id="284" r:id="rId32"/>
-    <p:sldId id="285" r:id="rId33"/>
-    <p:sldId id="286" r:id="rId34"/>
-    <p:sldId id="287" r:id="rId35"/>
-    <p:sldId id="288" r:id="rId36"/>
-    <p:sldId id="289" r:id="rId37"/>
-    <p:sldId id="291" r:id="rId38"/>
-    <p:sldId id="292" r:id="rId39"/>
+    <p:sldId id="256" r:id="rId2"/>
+    <p:sldId id="257" r:id="rId3"/>
+    <p:sldId id="258" r:id="rId4"/>
+    <p:sldId id="259" r:id="rId5"/>
+    <p:sldId id="260" r:id="rId6"/>
+    <p:sldId id="261" r:id="rId7"/>
+    <p:sldId id="262" r:id="rId8"/>
+    <p:sldId id="263" r:id="rId9"/>
+    <p:sldId id="264" r:id="rId10"/>
+    <p:sldId id="265" r:id="rId11"/>
+    <p:sldId id="266" r:id="rId12"/>
+    <p:sldId id="267" r:id="rId13"/>
+    <p:sldId id="293" r:id="rId14"/>
+    <p:sldId id="268" r:id="rId15"/>
+    <p:sldId id="269" r:id="rId16"/>
+    <p:sldId id="270" r:id="rId17"/>
+    <p:sldId id="271" r:id="rId18"/>
+    <p:sldId id="272" r:id="rId19"/>
+    <p:sldId id="273" r:id="rId20"/>
+    <p:sldId id="274" r:id="rId21"/>
+    <p:sldId id="275" r:id="rId22"/>
+    <p:sldId id="276" r:id="rId23"/>
+    <p:sldId id="277" r:id="rId24"/>
+    <p:sldId id="278" r:id="rId25"/>
+    <p:sldId id="279" r:id="rId26"/>
+    <p:sldId id="280" r:id="rId27"/>
+    <p:sldId id="281" r:id="rId28"/>
+    <p:sldId id="282" r:id="rId29"/>
+    <p:sldId id="283" r:id="rId30"/>
+    <p:sldId id="284" r:id="rId31"/>
+    <p:sldId id="285" r:id="rId32"/>
+    <p:sldId id="286" r:id="rId33"/>
+    <p:sldId id="287" r:id="rId34"/>
+    <p:sldId id="288" r:id="rId35"/>
+    <p:sldId id="289" r:id="rId36"/>
+    <p:sldId id="291" r:id="rId37"/>
+    <p:sldId id="292" r:id="rId38"/>
   </p:sldIdLst>
   <p:sldSz cx="18288000" cy="10287000"/>
   <p:notesSz cx="18288000" cy="10287000"/>
@@ -140,6 +140,22 @@
       </a:defRPr>
     </a:lvl9pPr>
   </p:defaultTextStyle>
+  <p:extLst>
+    <p:ext uri="{EFAFB233-063F-42B5-8137-9DF3F51BA10A}">
+      <p15:sldGuideLst xmlns:p15="http://schemas.microsoft.com/office/powerpoint/2012/main">
+        <p15:guide id="1" orient="horz" pos="2870">
+          <p15:clr>
+            <a:srgbClr val="A4A3A4"/>
+          </p15:clr>
+        </p15:guide>
+        <p15:guide id="2" pos="2160">
+          <p15:clr>
+            <a:srgbClr val="A4A3A4"/>
+          </p15:clr>
+        </p15:guide>
+      </p15:sldGuideLst>
+    </p:ext>
+  </p:extLst>
 </p:presentation>
 </file>
 
@@ -225,6 +241,7 @@
           <a:p>
             <a:fld id="{3EFD42F7-718C-4B98-AAEC-167E6DDD60A7}" type="datetimeFigureOut">
               <a:rPr lang="en-US" smtClean="0"/>
+              <a:t>5/5/2023</a:t>
             </a:fld>
             <a:endParaRPr lang="en-US"/>
           </a:p>
@@ -288,42 +305,37 @@
           <a:p>
             <a:pPr lvl="0"/>
             <a:r>
-              <a:rPr lang="en-US" smtClean="0"/>
+              <a:rPr lang="en-US"/>
               <a:t>Click to edit Master text styles</a:t>
             </a:r>
-            <a:endParaRPr lang="en-US" smtClean="0"/>
           </a:p>
           <a:p>
             <a:pPr lvl="1"/>
             <a:r>
-              <a:rPr lang="en-US" smtClean="0"/>
+              <a:rPr lang="en-US"/>
               <a:t>Second level</a:t>
             </a:r>
-            <a:endParaRPr lang="en-US" smtClean="0"/>
           </a:p>
           <a:p>
             <a:pPr lvl="2"/>
             <a:r>
-              <a:rPr lang="en-US" smtClean="0"/>
+              <a:rPr lang="en-US"/>
               <a:t>Third level</a:t>
             </a:r>
-            <a:endParaRPr lang="en-US" smtClean="0"/>
           </a:p>
           <a:p>
             <a:pPr lvl="3"/>
             <a:r>
-              <a:rPr lang="en-US" smtClean="0"/>
+              <a:rPr lang="en-US"/>
               <a:t>Fourth level</a:t>
             </a:r>
-            <a:endParaRPr lang="en-US" smtClean="0"/>
           </a:p>
           <a:p>
             <a:pPr lvl="4"/>
             <a:r>
-              <a:rPr lang="en-US" smtClean="0"/>
+              <a:rPr lang="en-US"/>
               <a:t>Fifth level</a:t>
             </a:r>
-            <a:endParaRPr lang="en-US"/>
           </a:p>
         </p:txBody>
       </p:sp>
@@ -387,6 +399,7 @@
           <a:p>
             <a:fld id="{21B2AA4F-B828-4D7C-AFD3-893933DAFCB4}" type="slidenum">
               <a:rPr lang="en-US" smtClean="0"/>
+              <a:t>‹#›</a:t>
             </a:fld>
             <a:endParaRPr lang="en-US"/>
           </a:p>
@@ -491,7 +504,7 @@
 </file>
 
 <file path=ppt/slideLayouts/slideLayout1.xml><?xml version="1.0" encoding="utf-8"?>
-<p:sldLayout xmlns:a="http://schemas.openxmlformats.org/drawingml/2006/main" xmlns:r="http://schemas.openxmlformats.org/officeDocument/2006/relationships" xmlns:p="http://schemas.openxmlformats.org/presentationml/2006/main" type="obj" preserve="1" showMasterSp="0">
+<p:sldLayout xmlns:a="http://schemas.openxmlformats.org/drawingml/2006/main" xmlns:r="http://schemas.openxmlformats.org/officeDocument/2006/relationships" xmlns:p="http://schemas.openxmlformats.org/presentationml/2006/main" showMasterSp="0" type="obj" preserve="1">
   <p:cSld name="Title Slide">
     <p:bg>
       <p:bgPr>
@@ -571,7 +584,9 @@
               </a:defRPr>
             </a:lvl1pPr>
           </a:lstStyle>
-          <a:p/>
+          <a:p>
+            <a:endParaRPr/>
+          </a:p>
         </p:txBody>
       </p:sp>
       <p:sp>
@@ -602,7 +617,9 @@
               <a:defRPr/>
             </a:lvl1pPr>
           </a:lstStyle>
-          <a:p/>
+          <a:p>
+            <a:endParaRPr/>
+          </a:p>
         </p:txBody>
       </p:sp>
       <p:sp>
@@ -629,7 +646,9 @@
               </a:defRPr>
             </a:lvl1pPr>
           </a:lstStyle>
-          <a:p/>
+          <a:p>
+            <a:endParaRPr/>
+          </a:p>
         </p:txBody>
       </p:sp>
       <p:sp>
@@ -659,6 +678,7 @@
           <a:p>
             <a:fld id="{1D8BD707-D9CF-40AE-B4C6-C98DA3205C09}" type="datetimeFigureOut">
               <a:rPr lang="en-US"/>
+              <a:t>5/5/2023</a:t>
             </a:fld>
             <a:endParaRPr lang="en-US"/>
           </a:p>
@@ -691,6 +711,7 @@
           <a:p>
             <a:fld id="{B6F15528-21DE-4FAA-801E-634DDDAF4B2B}" type="slidenum">
               <a:rPr/>
+              <a:t>‹#›</a:t>
             </a:fld>
             <a:endParaRPr/>
           </a:p>
@@ -746,7 +767,9 @@
               </a:defRPr>
             </a:lvl1pPr>
           </a:lstStyle>
-          <a:p/>
+          <a:p>
+            <a:endParaRPr/>
+          </a:p>
         </p:txBody>
       </p:sp>
       <p:sp>
@@ -773,7 +796,9 @@
               </a:defRPr>
             </a:lvl1pPr>
           </a:lstStyle>
-          <a:p/>
+          <a:p>
+            <a:endParaRPr/>
+          </a:p>
         </p:txBody>
       </p:sp>
       <p:sp>
@@ -800,7 +825,9 @@
               </a:defRPr>
             </a:lvl1pPr>
           </a:lstStyle>
-          <a:p/>
+          <a:p>
+            <a:endParaRPr/>
+          </a:p>
         </p:txBody>
       </p:sp>
       <p:sp>
@@ -830,6 +857,7 @@
           <a:p>
             <a:fld id="{1D8BD707-D9CF-40AE-B4C6-C98DA3205C09}" type="datetimeFigureOut">
               <a:rPr lang="en-US"/>
+              <a:t>5/5/2023</a:t>
             </a:fld>
             <a:endParaRPr lang="en-US"/>
           </a:p>
@@ -862,6 +890,7 @@
           <a:p>
             <a:fld id="{B6F15528-21DE-4FAA-801E-634DDDAF4B2B}" type="slidenum">
               <a:rPr/>
+              <a:t>‹#›</a:t>
             </a:fld>
             <a:endParaRPr/>
           </a:p>
@@ -917,7 +946,9 @@
               </a:defRPr>
             </a:lvl1pPr>
           </a:lstStyle>
-          <a:p/>
+          <a:p>
+            <a:endParaRPr/>
+          </a:p>
         </p:txBody>
       </p:sp>
       <p:sp>
@@ -948,7 +979,9 @@
               <a:defRPr/>
             </a:lvl1pPr>
           </a:lstStyle>
-          <a:p/>
+          <a:p>
+            <a:endParaRPr/>
+          </a:p>
         </p:txBody>
       </p:sp>
       <p:sp>
@@ -979,7 +1012,9 @@
               <a:defRPr/>
             </a:lvl1pPr>
           </a:lstStyle>
-          <a:p/>
+          <a:p>
+            <a:endParaRPr/>
+          </a:p>
         </p:txBody>
       </p:sp>
       <p:sp>
@@ -1006,7 +1041,9 @@
               </a:defRPr>
             </a:lvl1pPr>
           </a:lstStyle>
-          <a:p/>
+          <a:p>
+            <a:endParaRPr/>
+          </a:p>
         </p:txBody>
       </p:sp>
       <p:sp>
@@ -1036,6 +1073,7 @@
           <a:p>
             <a:fld id="{1D8BD707-D9CF-40AE-B4C6-C98DA3205C09}" type="datetimeFigureOut">
               <a:rPr lang="en-US"/>
+              <a:t>5/5/2023</a:t>
             </a:fld>
             <a:endParaRPr lang="en-US"/>
           </a:p>
@@ -1068,6 +1106,7 @@
           <a:p>
             <a:fld id="{B6F15528-21DE-4FAA-801E-634DDDAF4B2B}" type="slidenum">
               <a:rPr/>
+              <a:t>‹#›</a:t>
             </a:fld>
             <a:endParaRPr/>
           </a:p>
@@ -1123,7 +1162,9 @@
               </a:defRPr>
             </a:lvl1pPr>
           </a:lstStyle>
-          <a:p/>
+          <a:p>
+            <a:endParaRPr/>
+          </a:p>
         </p:txBody>
       </p:sp>
       <p:sp>
@@ -1150,7 +1191,9 @@
               </a:defRPr>
             </a:lvl1pPr>
           </a:lstStyle>
-          <a:p/>
+          <a:p>
+            <a:endParaRPr/>
+          </a:p>
         </p:txBody>
       </p:sp>
       <p:sp>
@@ -1180,6 +1223,7 @@
           <a:p>
             <a:fld id="{1D8BD707-D9CF-40AE-B4C6-C98DA3205C09}" type="datetimeFigureOut">
               <a:rPr lang="en-US"/>
+              <a:t>5/5/2023</a:t>
             </a:fld>
             <a:endParaRPr lang="en-US"/>
           </a:p>
@@ -1212,6 +1256,7 @@
           <a:p>
             <a:fld id="{B6F15528-21DE-4FAA-801E-634DDDAF4B2B}" type="slidenum">
               <a:rPr/>
+              <a:t>‹#›</a:t>
             </a:fld>
             <a:endParaRPr/>
           </a:p>
@@ -1267,7 +1312,9 @@
               </a:defRPr>
             </a:lvl1pPr>
           </a:lstStyle>
-          <a:p/>
+          <a:p>
+            <a:endParaRPr/>
+          </a:p>
         </p:txBody>
       </p:sp>
       <p:sp>
@@ -1297,6 +1344,7 @@
           <a:p>
             <a:fld id="{1D8BD707-D9CF-40AE-B4C6-C98DA3205C09}" type="datetimeFigureOut">
               <a:rPr lang="en-US"/>
+              <a:t>5/5/2023</a:t>
             </a:fld>
             <a:endParaRPr lang="en-US"/>
           </a:p>
@@ -1329,6 +1377,7 @@
           <a:p>
             <a:fld id="{B6F15528-21DE-4FAA-801E-634DDDAF4B2B}" type="slidenum">
               <a:rPr/>
+              <a:t>‹#›</a:t>
             </a:fld>
             <a:endParaRPr/>
           </a:p>
@@ -1402,7 +1451,9 @@
               </a:defRPr>
             </a:lvl1pPr>
           </a:lstStyle>
-          <a:p/>
+          <a:p>
+            <a:endParaRPr/>
+          </a:p>
         </p:txBody>
       </p:sp>
       <p:sp>
@@ -1439,7 +1490,9 @@
               </a:defRPr>
             </a:lvl1pPr>
           </a:lstStyle>
-          <a:p/>
+          <a:p>
+            <a:endParaRPr/>
+          </a:p>
         </p:txBody>
       </p:sp>
       <p:sp>
@@ -1476,7 +1529,9 @@
               </a:defRPr>
             </a:lvl1pPr>
           </a:lstStyle>
-          <a:p/>
+          <a:p>
+            <a:endParaRPr/>
+          </a:p>
         </p:txBody>
       </p:sp>
       <p:sp>
@@ -1516,6 +1571,7 @@
           <a:p>
             <a:fld id="{1D8BD707-D9CF-40AE-B4C6-C98DA3205C09}" type="datetimeFigureOut">
               <a:rPr lang="en-US"/>
+              <a:t>5/5/2023</a:t>
             </a:fld>
             <a:endParaRPr lang="en-US"/>
           </a:p>
@@ -1558,6 +1614,7 @@
           <a:p>
             <a:fld id="{B6F15528-21DE-4FAA-801E-634DDDAF4B2B}" type="slidenum">
               <a:rPr/>
+              <a:t>‹#›</a:t>
             </a:fld>
             <a:endParaRPr/>
           </a:p>
@@ -1742,7 +1799,7 @@
           <p:nvPr/>
         </p:nvPicPr>
         <p:blipFill>
-          <a:blip r:embed="rId1" cstate="print"/>
+          <a:blip r:embed="rId2" cstate="print"/>
           <a:stretch>
             <a:fillRect/>
           </a:stretch>
@@ -1880,9 +1937,11 @@
         <p:spPr/>
         <p:txBody>
           <a:bodyPr/>
+          <a:lstStyle/>
           <a:p>
             <a:fld id="{B6F15528-21DE-4FAA-801E-634DDDAF4B2B}" type="slidenum">
               <a:rPr/>
+              <a:t>1</a:t>
             </a:fld>
             <a:endParaRPr/>
           </a:p>
@@ -1950,7 +2009,9 @@
         <p:txBody>
           <a:bodyPr wrap="square" lIns="0" tIns="0" rIns="0" bIns="0" rtlCol="0"/>
           <a:lstStyle/>
-          <a:p/>
+          <a:p>
+            <a:endParaRPr/>
+          </a:p>
         </p:txBody>
       </p:sp>
       <p:sp>
@@ -1990,7 +2051,9 @@
         <p:txBody>
           <a:bodyPr wrap="square" lIns="0" tIns="0" rIns="0" bIns="0" rtlCol="0"/>
           <a:lstStyle/>
-          <a:p/>
+          <a:p>
+            <a:endParaRPr/>
+          </a:p>
         </p:txBody>
       </p:sp>
       <p:sp>
@@ -2030,7 +2093,9 @@
         <p:txBody>
           <a:bodyPr wrap="square" lIns="0" tIns="0" rIns="0" bIns="0" rtlCol="0"/>
           <a:lstStyle/>
-          <a:p/>
+          <a:p>
+            <a:endParaRPr/>
+          </a:p>
         </p:txBody>
       </p:sp>
       <p:sp>
@@ -2070,7 +2135,9 @@
         <p:txBody>
           <a:bodyPr wrap="square" lIns="0" tIns="0" rIns="0" bIns="0" rtlCol="0"/>
           <a:lstStyle/>
-          <a:p/>
+          <a:p>
+            <a:endParaRPr/>
+          </a:p>
         </p:txBody>
       </p:sp>
       <p:sp>
@@ -2834,7 +2901,7 @@
           <p:nvPr/>
         </p:nvPicPr>
         <p:blipFill>
-          <a:blip r:embed="rId1" cstate="print"/>
+          <a:blip r:embed="rId2" cstate="print"/>
           <a:stretch>
             <a:fillRect/>
           </a:stretch>
@@ -2856,7 +2923,7 @@
           <p:nvPr/>
         </p:nvPicPr>
         <p:blipFill>
-          <a:blip r:embed="rId2" cstate="print"/>
+          <a:blip r:embed="rId3" cstate="print"/>
           <a:stretch>
             <a:fillRect/>
           </a:stretch>
@@ -2878,7 +2945,7 @@
           <p:nvPr/>
         </p:nvPicPr>
         <p:blipFill>
-          <a:blip r:embed="rId3" cstate="print"/>
+          <a:blip r:embed="rId4" cstate="print"/>
           <a:stretch>
             <a:fillRect/>
           </a:stretch>
@@ -2900,7 +2967,7 @@
           <p:nvPr/>
         </p:nvPicPr>
         <p:blipFill>
-          <a:blip r:embed="rId4" cstate="print"/>
+          <a:blip r:embed="rId5" cstate="print"/>
           <a:stretch>
             <a:fillRect/>
           </a:stretch>
@@ -2928,9 +2995,11 @@
         <p:spPr/>
         <p:txBody>
           <a:bodyPr/>
+          <a:lstStyle/>
           <a:p>
             <a:fld id="{B6F15528-21DE-4FAA-801E-634DDDAF4B2B}" type="slidenum">
               <a:rPr/>
+              <a:t>10</a:t>
             </a:fld>
             <a:endParaRPr/>
           </a:p>
@@ -3078,7 +3147,9 @@
         <p:txBody>
           <a:bodyPr wrap="square" lIns="0" tIns="0" rIns="0" bIns="0" rtlCol="0"/>
           <a:lstStyle/>
-          <a:p/>
+          <a:p>
+            <a:endParaRPr/>
+          </a:p>
         </p:txBody>
       </p:sp>
       <p:sp>
@@ -3899,7 +3970,9 @@
         <p:txBody>
           <a:bodyPr wrap="square" lIns="0" tIns="0" rIns="0" bIns="0" rtlCol="0"/>
           <a:lstStyle/>
-          <a:p/>
+          <a:p>
+            <a:endParaRPr/>
+          </a:p>
         </p:txBody>
       </p:sp>
       <p:sp>
@@ -4441,7 +4514,9 @@
         <p:txBody>
           <a:bodyPr wrap="square" lIns="0" tIns="0" rIns="0" bIns="0" rtlCol="0"/>
           <a:lstStyle/>
-          <a:p/>
+          <a:p>
+            <a:endParaRPr/>
+          </a:p>
         </p:txBody>
       </p:sp>
       <p:sp>
@@ -4527,7 +4602,97 @@
                 <a:latin typeface="Arial" panose="020B0604020202020204"/>
                 <a:cs typeface="Arial" panose="020B0604020202020204"/>
               </a:rPr>
-              <a:t>r</a:t>
+              <a:t>re</a:t>
+            </a:r>
+            <a:r>
+              <a:rPr sz="2700" b="1" spc="-195" dirty="0">
+                <a:solidFill>
+                  <a:srgbClr val="404040"/>
+                </a:solidFill>
+                <a:latin typeface="Arial" panose="020B0604020202020204"/>
+                <a:cs typeface="Arial" panose="020B0604020202020204"/>
+              </a:rPr>
+              <a:t>s</a:t>
+            </a:r>
+            <a:r>
+              <a:rPr sz="2700" b="1" spc="5" dirty="0">
+                <a:solidFill>
+                  <a:srgbClr val="404040"/>
+                </a:solidFill>
+                <a:latin typeface="Arial" panose="020B0604020202020204"/>
+                <a:cs typeface="Arial" panose="020B0604020202020204"/>
+              </a:rPr>
+              <a:t>p</a:t>
+            </a:r>
+            <a:r>
+              <a:rPr sz="2700" b="1" spc="-30" dirty="0">
+                <a:solidFill>
+                  <a:srgbClr val="404040"/>
+                </a:solidFill>
+                <a:latin typeface="Arial" panose="020B0604020202020204"/>
+                <a:cs typeface="Arial" panose="020B0604020202020204"/>
+              </a:rPr>
+              <a:t>o</a:t>
+            </a:r>
+            <a:r>
+              <a:rPr sz="2700" b="1" spc="-15" dirty="0">
+                <a:solidFill>
+                  <a:srgbClr val="404040"/>
+                </a:solidFill>
+                <a:latin typeface="Arial" panose="020B0604020202020204"/>
+                <a:cs typeface="Arial" panose="020B0604020202020204"/>
+              </a:rPr>
+              <a:t>n</a:t>
+            </a:r>
+            <a:r>
+              <a:rPr sz="2700" b="1" spc="-195" dirty="0">
+                <a:solidFill>
+                  <a:srgbClr val="404040"/>
+                </a:solidFill>
+                <a:latin typeface="Arial" panose="020B0604020202020204"/>
+                <a:cs typeface="Arial" panose="020B0604020202020204"/>
+              </a:rPr>
+              <a:t>s</a:t>
+            </a:r>
+            <a:r>
+              <a:rPr sz="2700" b="1" spc="85" dirty="0">
+                <a:solidFill>
+                  <a:srgbClr val="404040"/>
+                </a:solidFill>
+                <a:latin typeface="Arial" panose="020B0604020202020204"/>
+                <a:cs typeface="Arial" panose="020B0604020202020204"/>
+              </a:rPr>
+              <a:t>e</a:t>
+            </a:r>
+            <a:r>
+              <a:rPr sz="2700" b="1" spc="-55" dirty="0">
+                <a:solidFill>
+                  <a:srgbClr val="404040"/>
+                </a:solidFill>
+                <a:latin typeface="Arial" panose="020B0604020202020204"/>
+                <a:cs typeface="Arial" panose="020B0604020202020204"/>
+              </a:rPr>
+              <a:t> i</a:t>
+            </a:r>
+            <a:r>
+              <a:rPr sz="2700" b="1" spc="-195" dirty="0">
+                <a:solidFill>
+                  <a:srgbClr val="404040"/>
+                </a:solidFill>
+                <a:latin typeface="Arial" panose="020B0604020202020204"/>
+                <a:cs typeface="Arial" panose="020B0604020202020204"/>
+              </a:rPr>
+              <a:t>s</a:t>
+            </a:r>
+            <a:r>
+              <a:rPr sz="2700" b="1" spc="-50" dirty="0">
+                <a:solidFill>
+                  <a:srgbClr val="404040"/>
+                </a:solidFill>
+                <a:latin typeface="Arial" panose="020B0604020202020204"/>
+                <a:cs typeface="Arial" panose="020B0604020202020204"/>
+              </a:rPr>
+              <a:t> </a:t>
             </a:r>
             <a:r>
               <a:rPr sz="2700" b="1" spc="20" dirty="0">
@@ -4537,127 +4702,7 @@
                 <a:latin typeface="Arial" panose="020B0604020202020204"/>
                 <a:cs typeface="Arial" panose="020B0604020202020204"/>
               </a:rPr>
-              <a:t>e</a:t>
-            </a:r>
-            <a:r>
-              <a:rPr sz="2700" b="1" spc="-195" dirty="0">
-                <a:solidFill>
-                  <a:srgbClr val="404040"/>
-                </a:solidFill>
-                <a:latin typeface="Arial" panose="020B0604020202020204"/>
-                <a:cs typeface="Arial" panose="020B0604020202020204"/>
-              </a:rPr>
-              <a:t>s</a:t>
-            </a:r>
-            <a:r>
-              <a:rPr sz="2700" b="1" spc="5" dirty="0">
-                <a:solidFill>
-                  <a:srgbClr val="404040"/>
-                </a:solidFill>
-                <a:latin typeface="Arial" panose="020B0604020202020204"/>
-                <a:cs typeface="Arial" panose="020B0604020202020204"/>
-              </a:rPr>
-              <a:t>p</a:t>
-            </a:r>
-            <a:r>
-              <a:rPr sz="2700" b="1" spc="-30" dirty="0">
-                <a:solidFill>
-                  <a:srgbClr val="404040"/>
-                </a:solidFill>
-                <a:latin typeface="Arial" panose="020B0604020202020204"/>
-                <a:cs typeface="Arial" panose="020B0604020202020204"/>
-              </a:rPr>
-              <a:t>o</a:t>
-            </a:r>
-            <a:r>
-              <a:rPr sz="2700" b="1" spc="-15" dirty="0">
-                <a:solidFill>
-                  <a:srgbClr val="404040"/>
-                </a:solidFill>
-                <a:latin typeface="Arial" panose="020B0604020202020204"/>
-                <a:cs typeface="Arial" panose="020B0604020202020204"/>
-              </a:rPr>
-              <a:t>n</a:t>
-            </a:r>
-            <a:r>
-              <a:rPr sz="2700" b="1" spc="-195" dirty="0">
-                <a:solidFill>
-                  <a:srgbClr val="404040"/>
-                </a:solidFill>
-                <a:latin typeface="Arial" panose="020B0604020202020204"/>
-                <a:cs typeface="Arial" panose="020B0604020202020204"/>
-              </a:rPr>
-              <a:t>s</a:t>
-            </a:r>
-            <a:r>
-              <a:rPr sz="2700" b="1" spc="85" dirty="0">
-                <a:solidFill>
-                  <a:srgbClr val="404040"/>
-                </a:solidFill>
-                <a:latin typeface="Arial" panose="020B0604020202020204"/>
-                <a:cs typeface="Arial" panose="020B0604020202020204"/>
-              </a:rPr>
-              <a:t>e</a:t>
-            </a:r>
-            <a:r>
-              <a:rPr sz="2700" b="1" spc="-55" dirty="0">
-                <a:solidFill>
-                  <a:srgbClr val="404040"/>
-                </a:solidFill>
-                <a:latin typeface="Arial" panose="020B0604020202020204"/>
-                <a:cs typeface="Arial" panose="020B0604020202020204"/>
-              </a:rPr>
-              <a:t> </a:t>
-            </a:r>
-            <a:r>
-              <a:rPr sz="2700" b="1" spc="-55" dirty="0">
-                <a:solidFill>
-                  <a:srgbClr val="404040"/>
-                </a:solidFill>
-                <a:latin typeface="Arial" panose="020B0604020202020204"/>
-                <a:cs typeface="Arial" panose="020B0604020202020204"/>
-              </a:rPr>
-              <a:t>i</a:t>
-            </a:r>
-            <a:r>
-              <a:rPr sz="2700" b="1" spc="-195" dirty="0">
-                <a:solidFill>
-                  <a:srgbClr val="404040"/>
-                </a:solidFill>
-                <a:latin typeface="Arial" panose="020B0604020202020204"/>
-                <a:cs typeface="Arial" panose="020B0604020202020204"/>
-              </a:rPr>
-              <a:t>s</a:t>
-            </a:r>
-            <a:r>
-              <a:rPr sz="2700" b="1" spc="-50" dirty="0">
-                <a:solidFill>
-                  <a:srgbClr val="404040"/>
-                </a:solidFill>
-                <a:latin typeface="Arial" panose="020B0604020202020204"/>
-                <a:cs typeface="Arial" panose="020B0604020202020204"/>
-              </a:rPr>
-              <a:t> </a:t>
-            </a:r>
-            <a:r>
-              <a:rPr sz="2700" b="1" spc="20" dirty="0">
-                <a:solidFill>
-                  <a:srgbClr val="404040"/>
-                </a:solidFill>
-                <a:latin typeface="Arial" panose="020B0604020202020204"/>
-                <a:cs typeface="Arial" panose="020B0604020202020204"/>
-              </a:rPr>
-              <a:t>r</a:t>
-            </a:r>
-            <a:r>
-              <a:rPr sz="2700" b="1" spc="20" dirty="0">
-                <a:solidFill>
-                  <a:srgbClr val="404040"/>
-                </a:solidFill>
-                <a:latin typeface="Arial" panose="020B0604020202020204"/>
-                <a:cs typeface="Arial" panose="020B0604020202020204"/>
-              </a:rPr>
-              <a:t>e</a:t>
+              <a:t>re</a:t>
             </a:r>
             <a:r>
               <a:rPr sz="2700" b="1" spc="175" dirty="0">
@@ -5195,7 +5240,9 @@
         <p:txBody>
           <a:bodyPr wrap="square" lIns="0" tIns="0" rIns="0" bIns="0" rtlCol="0"/>
           <a:lstStyle/>
-          <a:p/>
+          <a:p>
+            <a:endParaRPr/>
+          </a:p>
         </p:txBody>
       </p:sp>
       <p:sp>
@@ -5481,9 +5528,11 @@
         <p:spPr/>
         <p:txBody>
           <a:bodyPr/>
+          <a:lstStyle/>
           <a:p>
             <a:fld id="{B6F15528-21DE-4FAA-801E-634DDDAF4B2B}" type="slidenum">
               <a:rPr/>
+              <a:t>11</a:t>
             </a:fld>
             <a:endParaRPr/>
           </a:p>
@@ -5639,7 +5688,9 @@
           <p:txBody>
             <a:bodyPr wrap="square" lIns="0" tIns="0" rIns="0" bIns="0" rtlCol="0"/>
             <a:lstStyle/>
-            <a:p/>
+            <a:p>
+              <a:endParaRPr/>
+            </a:p>
           </p:txBody>
         </p:sp>
         <p:sp>
@@ -5687,7 +5738,9 @@
           <p:txBody>
             <a:bodyPr wrap="square" lIns="0" tIns="0" rIns="0" bIns="0" rtlCol="0"/>
             <a:lstStyle/>
-            <a:p/>
+            <a:p>
+              <a:endParaRPr/>
+            </a:p>
           </p:txBody>
         </p:sp>
         <p:sp>
@@ -5735,7 +5788,9 @@
           <p:txBody>
             <a:bodyPr wrap="square" lIns="0" tIns="0" rIns="0" bIns="0" rtlCol="0"/>
             <a:lstStyle/>
-            <a:p/>
+            <a:p>
+              <a:endParaRPr/>
+            </a:p>
           </p:txBody>
         </p:sp>
         <p:sp>
@@ -5786,7 +5841,9 @@
           <p:txBody>
             <a:bodyPr wrap="square" lIns="0" tIns="0" rIns="0" bIns="0" rtlCol="0"/>
             <a:lstStyle/>
-            <a:p/>
+            <a:p>
+              <a:endParaRPr/>
+            </a:p>
           </p:txBody>
         </p:sp>
       </p:grpSp>
@@ -5895,7 +5952,9 @@
           <p:txBody>
             <a:bodyPr wrap="square" lIns="0" tIns="0" rIns="0" bIns="0" rtlCol="0"/>
             <a:lstStyle/>
-            <a:p/>
+            <a:p>
+              <a:endParaRPr/>
+            </a:p>
           </p:txBody>
         </p:sp>
         <p:sp>
@@ -5943,7 +6002,9 @@
           <p:txBody>
             <a:bodyPr wrap="square" lIns="0" tIns="0" rIns="0" bIns="0" rtlCol="0"/>
             <a:lstStyle/>
-            <a:p/>
+            <a:p>
+              <a:endParaRPr/>
+            </a:p>
           </p:txBody>
         </p:sp>
         <p:sp>
@@ -5991,7 +6052,9 @@
           <p:txBody>
             <a:bodyPr wrap="square" lIns="0" tIns="0" rIns="0" bIns="0" rtlCol="0"/>
             <a:lstStyle/>
-            <a:p/>
+            <a:p>
+              <a:endParaRPr/>
+            </a:p>
           </p:txBody>
         </p:sp>
         <p:sp>
@@ -6042,7 +6105,9 @@
           <p:txBody>
             <a:bodyPr wrap="square" lIns="0" tIns="0" rIns="0" bIns="0" rtlCol="0"/>
             <a:lstStyle/>
-            <a:p/>
+            <a:p>
+              <a:endParaRPr/>
+            </a:p>
           </p:txBody>
         </p:sp>
       </p:grpSp>
@@ -6151,7 +6216,9 @@
           <p:txBody>
             <a:bodyPr wrap="square" lIns="0" tIns="0" rIns="0" bIns="0" rtlCol="0"/>
             <a:lstStyle/>
-            <a:p/>
+            <a:p>
+              <a:endParaRPr/>
+            </a:p>
           </p:txBody>
         </p:sp>
         <p:sp>
@@ -6199,7 +6266,9 @@
           <p:txBody>
             <a:bodyPr wrap="square" lIns="0" tIns="0" rIns="0" bIns="0" rtlCol="0"/>
             <a:lstStyle/>
-            <a:p/>
+            <a:p>
+              <a:endParaRPr/>
+            </a:p>
           </p:txBody>
         </p:sp>
         <p:sp>
@@ -6247,7 +6316,9 @@
           <p:txBody>
             <a:bodyPr wrap="square" lIns="0" tIns="0" rIns="0" bIns="0" rtlCol="0"/>
             <a:lstStyle/>
-            <a:p/>
+            <a:p>
+              <a:endParaRPr/>
+            </a:p>
           </p:txBody>
         </p:sp>
         <p:sp>
@@ -6298,7 +6369,9 @@
           <p:txBody>
             <a:bodyPr wrap="square" lIns="0" tIns="0" rIns="0" bIns="0" rtlCol="0"/>
             <a:lstStyle/>
-            <a:p/>
+            <a:p>
+              <a:endParaRPr/>
+            </a:p>
           </p:txBody>
         </p:sp>
       </p:grpSp>
@@ -6677,7 +6750,9 @@
           <p:txBody>
             <a:bodyPr wrap="square" lIns="0" tIns="0" rIns="0" bIns="0" rtlCol="0"/>
             <a:lstStyle/>
-            <a:p/>
+            <a:p>
+              <a:endParaRPr/>
+            </a:p>
           </p:txBody>
         </p:sp>
         <p:sp>
@@ -7143,7 +7218,9 @@
           <p:txBody>
             <a:bodyPr wrap="square" lIns="0" tIns="0" rIns="0" bIns="0" rtlCol="0"/>
             <a:lstStyle/>
-            <a:p/>
+            <a:p>
+              <a:endParaRPr/>
+            </a:p>
           </p:txBody>
         </p:sp>
         <p:sp>
@@ -7220,7 +7297,9 @@
           <p:txBody>
             <a:bodyPr wrap="square" lIns="0" tIns="0" rIns="0" bIns="0" rtlCol="0"/>
             <a:lstStyle/>
-            <a:p/>
+            <a:p>
+              <a:endParaRPr/>
+            </a:p>
           </p:txBody>
         </p:sp>
       </p:grpSp>
@@ -7553,7 +7632,9 @@
           <p:txBody>
             <a:bodyPr wrap="square" lIns="0" tIns="0" rIns="0" bIns="0" rtlCol="0"/>
             <a:lstStyle/>
-            <a:p/>
+            <a:p>
+              <a:endParaRPr/>
+            </a:p>
           </p:txBody>
         </p:sp>
         <p:sp>
@@ -8019,7 +8100,9 @@
           <p:txBody>
             <a:bodyPr wrap="square" lIns="0" tIns="0" rIns="0" bIns="0" rtlCol="0"/>
             <a:lstStyle/>
-            <a:p/>
+            <a:p>
+              <a:endParaRPr/>
+            </a:p>
           </p:txBody>
         </p:sp>
       </p:grpSp>
@@ -8097,7 +8180,9 @@
         <p:txBody>
           <a:bodyPr wrap="square" lIns="0" tIns="0" rIns="0" bIns="0" rtlCol="0"/>
           <a:lstStyle/>
-          <a:p/>
+          <a:p>
+            <a:endParaRPr/>
+          </a:p>
         </p:txBody>
       </p:sp>
       <p:sp>
@@ -8177,17 +8262,7 @@
                 <a:latin typeface="Arial" panose="020B0604020202020204"/>
                 <a:cs typeface="Arial" panose="020B0604020202020204"/>
               </a:rPr>
-              <a:t>r</a:t>
-            </a:r>
-            <a:r>
-              <a:rPr sz="3600" b="1" spc="5" dirty="0">
-                <a:solidFill>
-                  <a:srgbClr val="675BA7"/>
-                </a:solidFill>
-                <a:latin typeface="Arial" panose="020B0604020202020204"/>
-                <a:cs typeface="Arial" panose="020B0604020202020204"/>
-              </a:rPr>
-              <a:t>c</a:t>
+              <a:t>rc</a:t>
             </a:r>
             <a:r>
               <a:rPr sz="3600" b="1" spc="-35" dirty="0">
@@ -8385,9 +8460,11 @@
         <p:spPr/>
         <p:txBody>
           <a:bodyPr/>
+          <a:lstStyle/>
           <a:p>
             <a:fld id="{B6F15528-21DE-4FAA-801E-634DDDAF4B2B}" type="slidenum">
               <a:rPr/>
+              <a:t>12</a:t>
             </a:fld>
             <a:endParaRPr/>
           </a:p>
@@ -8410,7 +8487,14 @@
         <p:cNvGrpSpPr/>
         <p:nvPr/>
       </p:nvGrpSpPr>
-      <p:grpSpPr/>
+      <p:grpSpPr>
+        <a:xfrm>
+          <a:off x="0" y="0"/>
+          <a:ext cx="0" cy="0"/>
+          <a:chOff x="0" y="0"/>
+          <a:chExt cx="0" cy="0"/>
+        </a:xfrm>
+      </p:grpSpPr>
       <p:sp>
         <p:nvSpPr>
           <p:cNvPr id="6" name="Title 5"/>
@@ -8424,6 +8508,7 @@
         <p:spPr/>
         <p:txBody>
           <a:bodyPr/>
+          <a:lstStyle/>
           <a:p>
             <a:endParaRPr lang="en-US"/>
           </a:p>
@@ -8442,29 +8527,13 @@
         <p:spPr/>
         <p:txBody>
           <a:bodyPr/>
+          <a:lstStyle/>
           <a:p>
             <a:fld id="{B6F15528-21DE-4FAA-801E-634DDDAF4B2B}" type="slidenum">
               <a:rPr/>
+              <a:t>13</a:t>
             </a:fld>
             <a:endParaRPr/>
-          </a:p>
-        </p:txBody>
-      </p:sp>
-      <p:sp>
-        <p:nvSpPr>
-          <p:cNvPr id="7" name="Content Placeholder 6"/>
-          <p:cNvSpPr>
-            <a:spLocks noGrp="1"/>
-          </p:cNvSpPr>
-          <p:nvPr>
-            <p:ph sz="half" idx="3"/>
-          </p:nvPr>
-        </p:nvSpPr>
-        <p:spPr/>
-        <p:txBody>
-          <a:bodyPr/>
-          <a:p>
-            <a:endParaRPr lang="en-US"/>
           </a:p>
         </p:txBody>
       </p:sp>
@@ -8472,22 +8541,21 @@
         <p:nvPicPr>
           <p:cNvPr id="5" name="Content Placeholder 4"/>
           <p:cNvPicPr>
-            <a:picLocks noChangeAspect="1"/>
+            <a:picLocks noGrp="1" noChangeAspect="1"/>
           </p:cNvPicPr>
           <p:nvPr>
             <p:ph sz="half" idx="2"/>
           </p:nvPr>
         </p:nvPicPr>
-        <p:blipFill>
-          <a:blip r:embed="rId1"/>
-          <a:stretch>
-            <a:fillRect/>
-          </a:stretch>
+        <p:blipFill rotWithShape="1">
+          <a:blip r:embed="rId2"/>
+          <a:srcRect b="7313"/>
+          <a:stretch/>
         </p:blipFill>
         <p:spPr>
           <a:xfrm>
             <a:off x="92710" y="137795"/>
-            <a:ext cx="17981930" cy="9100185"/>
+            <a:ext cx="17981930" cy="8434705"/>
           </a:xfrm>
           <a:prstGeom prst="rect">
             <a:avLst/>
@@ -8556,7 +8624,9 @@
         <p:txBody>
           <a:bodyPr wrap="square" lIns="0" tIns="0" rIns="0" bIns="0" rtlCol="0"/>
           <a:lstStyle/>
-          <a:p/>
+          <a:p>
+            <a:endParaRPr/>
+          </a:p>
         </p:txBody>
       </p:sp>
       <p:sp>
@@ -8596,7 +8666,9 @@
         <p:txBody>
           <a:bodyPr wrap="square" lIns="0" tIns="0" rIns="0" bIns="0" rtlCol="0"/>
           <a:lstStyle/>
-          <a:p/>
+          <a:p>
+            <a:endParaRPr/>
+          </a:p>
         </p:txBody>
       </p:sp>
       <p:sp>
@@ -8636,7 +8708,9 @@
         <p:txBody>
           <a:bodyPr wrap="square" lIns="0" tIns="0" rIns="0" bIns="0" rtlCol="0"/>
           <a:lstStyle/>
-          <a:p/>
+          <a:p>
+            <a:endParaRPr/>
+          </a:p>
         </p:txBody>
       </p:sp>
       <p:sp>
@@ -8676,7 +8750,9 @@
         <p:txBody>
           <a:bodyPr wrap="square" lIns="0" tIns="0" rIns="0" bIns="0" rtlCol="0"/>
           <a:lstStyle/>
-          <a:p/>
+          <a:p>
+            <a:endParaRPr/>
+          </a:p>
         </p:txBody>
       </p:sp>
       <p:sp>
@@ -9088,7 +9164,7 @@
           <p:nvPr/>
         </p:nvPicPr>
         <p:blipFill>
-          <a:blip r:embed="rId1" cstate="print"/>
+          <a:blip r:embed="rId2" cstate="print"/>
           <a:stretch>
             <a:fillRect/>
           </a:stretch>
@@ -9256,7 +9332,7 @@
           <p:nvPr/>
         </p:nvPicPr>
         <p:blipFill>
-          <a:blip r:embed="rId2" cstate="print"/>
+          <a:blip r:embed="rId3" cstate="print"/>
           <a:stretch>
             <a:fillRect/>
           </a:stretch>
@@ -9404,7 +9480,7 @@
           <p:nvPr/>
         </p:nvPicPr>
         <p:blipFill>
-          <a:blip r:embed="rId3" cstate="print"/>
+          <a:blip r:embed="rId4" cstate="print"/>
           <a:stretch>
             <a:fillRect/>
           </a:stretch>
@@ -9426,7 +9502,7 @@
           <p:nvPr/>
         </p:nvPicPr>
         <p:blipFill>
-          <a:blip r:embed="rId4" cstate="print"/>
+          <a:blip r:embed="rId5" cstate="print"/>
           <a:stretch>
             <a:fillRect/>
           </a:stretch>
@@ -9454,9 +9530,11 @@
         <p:spPr/>
         <p:txBody>
           <a:bodyPr/>
+          <a:lstStyle/>
           <a:p>
             <a:fld id="{B6F15528-21DE-4FAA-801E-634DDDAF4B2B}" type="slidenum">
               <a:rPr/>
+              <a:t>14</a:t>
             </a:fld>
             <a:endParaRPr/>
           </a:p>
@@ -9656,7 +9734,9 @@
           <p:txBody>
             <a:bodyPr wrap="square" lIns="0" tIns="0" rIns="0" bIns="0" rtlCol="0"/>
             <a:lstStyle/>
-            <a:p/>
+            <a:p>
+              <a:endParaRPr/>
+            </a:p>
           </p:txBody>
         </p:sp>
         <p:sp>
@@ -9706,7 +9786,9 @@
           <p:txBody>
             <a:bodyPr wrap="square" lIns="0" tIns="0" rIns="0" bIns="0" rtlCol="0"/>
             <a:lstStyle/>
-            <a:p/>
+            <a:p>
+              <a:endParaRPr/>
+            </a:p>
           </p:txBody>
         </p:sp>
       </p:grpSp>
@@ -9767,17 +9849,7 @@
                 <a:latin typeface="Arial" panose="020B0604020202020204"/>
                 <a:cs typeface="Arial" panose="020B0604020202020204"/>
               </a:rPr>
-              <a:t>m</a:t>
-            </a:r>
-            <a:r>
-              <a:rPr sz="3000" b="1" spc="-30" dirty="0">
-                <a:solidFill>
-                  <a:srgbClr val="FFFFFF"/>
-                </a:solidFill>
-                <a:latin typeface="Arial" panose="020B0604020202020204"/>
-                <a:cs typeface="Arial" panose="020B0604020202020204"/>
-              </a:rPr>
-              <a:t>p</a:t>
+              <a:t>mp</a:t>
             </a:r>
             <a:r>
               <a:rPr sz="3000" b="1" spc="-65" dirty="0">
@@ -9853,7 +9925,9 @@
         <p:txBody>
           <a:bodyPr wrap="square" lIns="0" tIns="0" rIns="0" bIns="0" rtlCol="0"/>
           <a:lstStyle/>
-          <a:p/>
+          <a:p>
+            <a:endParaRPr/>
+          </a:p>
         </p:txBody>
       </p:sp>
       <p:sp>
@@ -10568,7 +10642,9 @@
         <p:txBody>
           <a:bodyPr wrap="square" lIns="0" tIns="0" rIns="0" bIns="0" rtlCol="0"/>
           <a:lstStyle/>
-          <a:p/>
+          <a:p>
+            <a:endParaRPr/>
+          </a:p>
         </p:txBody>
       </p:sp>
       <p:sp>
@@ -10736,7 +10812,9 @@
         <p:txBody>
           <a:bodyPr wrap="square" lIns="0" tIns="0" rIns="0" bIns="0" rtlCol="0"/>
           <a:lstStyle/>
-          <a:p/>
+          <a:p>
+            <a:endParaRPr/>
+          </a:p>
         </p:txBody>
       </p:sp>
       <p:sp>
@@ -10806,9 +10884,11 @@
         <p:spPr/>
         <p:txBody>
           <a:bodyPr/>
+          <a:lstStyle/>
           <a:p>
             <a:fld id="{B6F15528-21DE-4FAA-801E-634DDDAF4B2B}" type="slidenum">
               <a:rPr/>
+              <a:t>15</a:t>
             </a:fld>
             <a:endParaRPr/>
           </a:p>
@@ -11028,7 +11108,9 @@
           <p:txBody>
             <a:bodyPr wrap="square" lIns="0" tIns="0" rIns="0" bIns="0" rtlCol="0"/>
             <a:lstStyle/>
-            <a:p/>
+            <a:p>
+              <a:endParaRPr/>
+            </a:p>
           </p:txBody>
         </p:sp>
         <p:sp>
@@ -11133,7 +11215,9 @@
           <p:txBody>
             <a:bodyPr wrap="square" lIns="0" tIns="0" rIns="0" bIns="0" rtlCol="0"/>
             <a:lstStyle/>
-            <a:p/>
+            <a:p>
+              <a:endParaRPr/>
+            </a:p>
           </p:txBody>
         </p:sp>
       </p:grpSp>
@@ -11239,7 +11323,9 @@
         <p:txBody>
           <a:bodyPr wrap="square" lIns="0" tIns="0" rIns="0" bIns="0" rtlCol="0"/>
           <a:lstStyle/>
-          <a:p/>
+          <a:p>
+            <a:endParaRPr/>
+          </a:p>
         </p:txBody>
       </p:sp>
       <p:sp>
@@ -11326,7 +11412,9 @@
         <p:txBody>
           <a:bodyPr wrap="square" lIns="0" tIns="0" rIns="0" bIns="0" rtlCol="0"/>
           <a:lstStyle/>
-          <a:p/>
+          <a:p>
+            <a:endParaRPr/>
+          </a:p>
         </p:txBody>
       </p:sp>
       <p:grpSp>
@@ -11448,7 +11536,9 @@
           <p:txBody>
             <a:bodyPr wrap="square" lIns="0" tIns="0" rIns="0" bIns="0" rtlCol="0"/>
             <a:lstStyle/>
-            <a:p/>
+            <a:p>
+              <a:endParaRPr/>
+            </a:p>
           </p:txBody>
         </p:sp>
         <p:sp>
@@ -11556,7 +11646,9 @@
           <p:txBody>
             <a:bodyPr wrap="square" lIns="0" tIns="0" rIns="0" bIns="0" rtlCol="0"/>
             <a:lstStyle/>
-            <a:p/>
+            <a:p>
+              <a:endParaRPr/>
+            </a:p>
           </p:txBody>
         </p:sp>
       </p:grpSp>
@@ -12281,9 +12373,11 @@
         <p:spPr/>
         <p:txBody>
           <a:bodyPr/>
+          <a:lstStyle/>
           <a:p>
             <a:fld id="{B6F15528-21DE-4FAA-801E-634DDDAF4B2B}" type="slidenum">
               <a:rPr/>
+              <a:t>16</a:t>
             </a:fld>
             <a:endParaRPr/>
           </a:p>
@@ -12722,7 +12816,7 @@
             <p:nvPr/>
           </p:nvPicPr>
           <p:blipFill>
-            <a:blip r:embed="rId1" cstate="print"/>
+            <a:blip r:embed="rId2" cstate="print"/>
             <a:stretch>
               <a:fillRect/>
             </a:stretch>
@@ -12928,7 +13022,9 @@
           <p:txBody>
             <a:bodyPr wrap="square" lIns="0" tIns="0" rIns="0" bIns="0" rtlCol="0"/>
             <a:lstStyle/>
-            <a:p/>
+            <a:p>
+              <a:endParaRPr/>
+            </a:p>
           </p:txBody>
         </p:sp>
       </p:grpSp>
@@ -13697,7 +13793,9 @@
         <p:txBody>
           <a:bodyPr wrap="square" lIns="0" tIns="0" rIns="0" bIns="0" rtlCol="0"/>
           <a:lstStyle/>
-          <a:p/>
+          <a:p>
+            <a:endParaRPr/>
+          </a:p>
         </p:txBody>
       </p:sp>
       <p:sp>
@@ -14282,7 +14380,9 @@
           <p:txBody>
             <a:bodyPr wrap="square" lIns="0" tIns="0" rIns="0" bIns="0" rtlCol="0"/>
             <a:lstStyle/>
-            <a:p/>
+            <a:p>
+              <a:endParaRPr/>
+            </a:p>
           </p:txBody>
         </p:sp>
         <p:sp>
@@ -14807,7 +14907,9 @@
           <p:txBody>
             <a:bodyPr wrap="square" lIns="0" tIns="0" rIns="0" bIns="0" rtlCol="0"/>
             <a:lstStyle/>
-            <a:p/>
+            <a:p>
+              <a:endParaRPr/>
+            </a:p>
           </p:txBody>
         </p:sp>
       </p:grpSp>
@@ -15445,7 +15547,9 @@
         <p:txBody>
           <a:bodyPr wrap="square" lIns="0" tIns="0" rIns="0" bIns="0" rtlCol="0"/>
           <a:lstStyle/>
-          <a:p/>
+          <a:p>
+            <a:endParaRPr/>
+          </a:p>
         </p:txBody>
       </p:sp>
       <p:sp>
@@ -15507,9 +15611,11 @@
         <p:spPr/>
         <p:txBody>
           <a:bodyPr/>
+          <a:lstStyle/>
           <a:p>
             <a:fld id="{B6F15528-21DE-4FAA-801E-634DDDAF4B2B}" type="slidenum">
               <a:rPr/>
+              <a:t>17</a:t>
             </a:fld>
             <a:endParaRPr/>
           </a:p>
@@ -15879,7 +15985,9 @@
           <p:txBody>
             <a:bodyPr wrap="square" lIns="0" tIns="0" rIns="0" bIns="0" rtlCol="0"/>
             <a:lstStyle/>
-            <a:p/>
+            <a:p>
+              <a:endParaRPr/>
+            </a:p>
           </p:txBody>
         </p:sp>
         <p:sp>
@@ -15929,7 +16037,9 @@
           <p:txBody>
             <a:bodyPr wrap="square" lIns="0" tIns="0" rIns="0" bIns="0" rtlCol="0"/>
             <a:lstStyle/>
-            <a:p/>
+            <a:p>
+              <a:endParaRPr/>
+            </a:p>
           </p:txBody>
         </p:sp>
         <p:sp>
@@ -15979,7 +16089,9 @@
           <p:txBody>
             <a:bodyPr wrap="square" lIns="0" tIns="0" rIns="0" bIns="0" rtlCol="0"/>
             <a:lstStyle/>
-            <a:p/>
+            <a:p>
+              <a:endParaRPr/>
+            </a:p>
           </p:txBody>
         </p:sp>
       </p:grpSp>
@@ -16355,7 +16467,7 @@
                 </a:solidFill>
                 <a:latin typeface="Courier New" panose="02070309020205020404"/>
                 <a:cs typeface="Courier New" panose="02070309020205020404"/>
-                <a:hlinkClick r:id="rId1"/>
+                <a:hlinkClick r:id="rId2"/>
               </a:rPr>
               <a:t>'www.myWebService.com/api/products'</a:t>
             </a:r>
@@ -16577,9 +16689,11 @@
         <p:spPr/>
         <p:txBody>
           <a:bodyPr/>
+          <a:lstStyle/>
           <a:p>
             <a:fld id="{B6F15528-21DE-4FAA-801E-634DDDAF4B2B}" type="slidenum">
               <a:rPr/>
+              <a:t>18</a:t>
             </a:fld>
             <a:endParaRPr/>
           </a:p>
@@ -17001,7 +17115,9 @@
           <p:txBody>
             <a:bodyPr wrap="square" lIns="0" tIns="0" rIns="0" bIns="0" rtlCol="0"/>
             <a:lstStyle/>
-            <a:p/>
+            <a:p>
+              <a:endParaRPr/>
+            </a:p>
           </p:txBody>
         </p:sp>
         <p:sp>
@@ -17049,7 +17165,9 @@
           <p:txBody>
             <a:bodyPr wrap="square" lIns="0" tIns="0" rIns="0" bIns="0" rtlCol="0"/>
             <a:lstStyle/>
-            <a:p/>
+            <a:p>
+              <a:endParaRPr/>
+            </a:p>
           </p:txBody>
         </p:sp>
         <p:sp>
@@ -17099,7 +17217,9 @@
           <p:txBody>
             <a:bodyPr wrap="square" lIns="0" tIns="0" rIns="0" bIns="0" rtlCol="0"/>
             <a:lstStyle/>
-            <a:p/>
+            <a:p>
+              <a:endParaRPr/>
+            </a:p>
           </p:txBody>
         </p:sp>
       </p:grpSp>
@@ -17142,7 +17262,7 @@
               </a:rPr>
               <a:t>app.module.ts</a:t>
             </a:r>
-            <a:endParaRPr sz="3000">
+            <a:endParaRPr sz="3000" dirty="0">
               <a:latin typeface="Arial" panose="020B0604020202020204"/>
               <a:cs typeface="Arial" panose="020B0604020202020204"/>
             </a:endParaRPr>
@@ -17163,7 +17283,7 @@
               </a:rPr>
               <a:t>...</a:t>
             </a:r>
-            <a:endParaRPr sz="2800">
+            <a:endParaRPr sz="2800" dirty="0">
               <a:latin typeface="Courier New" panose="02070309020205020404"/>
               <a:cs typeface="Courier New" panose="02070309020205020404"/>
             </a:endParaRPr>
@@ -17261,7 +17381,7 @@
               </a:rPr>
               <a:t>;</a:t>
             </a:r>
-            <a:endParaRPr sz="2800">
+            <a:endParaRPr sz="2800" dirty="0">
               <a:latin typeface="Courier New" panose="02070309020205020404"/>
               <a:cs typeface="Courier New" panose="02070309020205020404"/>
             </a:endParaRPr>
@@ -17310,10 +17430,6 @@
               </a:rPr>
               <a:t>[</a:t>
             </a:r>
-            <a:endParaRPr sz="2800">
-              <a:latin typeface="Courier New" panose="02070309020205020404"/>
-              <a:cs typeface="Courier New" panose="02070309020205020404"/>
-            </a:endParaRPr>
           </a:p>
           <a:p>
             <a:pPr marL="1289050" marR="6601460">
@@ -17379,7 +17495,7 @@
               </a:rPr>
               <a:t>],</a:t>
             </a:r>
-            <a:endParaRPr sz="2800">
+            <a:endParaRPr sz="2800" dirty="0">
               <a:latin typeface="Courier New" panose="02070309020205020404"/>
               <a:cs typeface="Courier New" panose="02070309020205020404"/>
             </a:endParaRPr>
@@ -17411,10 +17527,6 @@
               </a:rPr>
               <a:t>[</a:t>
             </a:r>
-            <a:endParaRPr sz="2800">
-              <a:latin typeface="Courier New" panose="02070309020205020404"/>
-              <a:cs typeface="Courier New" panose="02070309020205020404"/>
-            </a:endParaRPr>
           </a:p>
           <a:p>
             <a:pPr marL="1384300" marR="6080125">
@@ -17495,7 +17607,7 @@
               </a:rPr>
               <a:t>],</a:t>
             </a:r>
-            <a:endParaRPr sz="2800">
+            <a:endParaRPr sz="2800" dirty="0">
               <a:latin typeface="Courier New" panose="02070309020205020404"/>
               <a:cs typeface="Courier New" panose="02070309020205020404"/>
             </a:endParaRPr>
@@ -17555,10 +17667,6 @@
               </a:rPr>
               <a:t>]</a:t>
             </a:r>
-            <a:endParaRPr sz="2800">
-              <a:latin typeface="Courier New" panose="02070309020205020404"/>
-              <a:cs typeface="Courier New" panose="02070309020205020404"/>
-            </a:endParaRPr>
           </a:p>
           <a:p>
             <a:pPr marL="12700">
@@ -17576,7 +17684,7 @@
               </a:rPr>
               <a:t>})</a:t>
             </a:r>
-            <a:endParaRPr sz="2800">
+            <a:endParaRPr sz="2800" dirty="0">
               <a:latin typeface="Courier New" panose="02070309020205020404"/>
               <a:cs typeface="Courier New" panose="02070309020205020404"/>
             </a:endParaRPr>
@@ -17665,10 +17773,6 @@
               </a:rPr>
               <a:t>}</a:t>
             </a:r>
-            <a:endParaRPr sz="2800">
-              <a:latin typeface="Courier New" panose="02070309020205020404"/>
-              <a:cs typeface="Courier New" panose="02070309020205020404"/>
-            </a:endParaRPr>
           </a:p>
         </p:txBody>
       </p:sp>
@@ -17685,9 +17789,11 @@
         <p:spPr/>
         <p:txBody>
           <a:bodyPr/>
+          <a:lstStyle/>
           <a:p>
             <a:fld id="{B6F15528-21DE-4FAA-801E-634DDDAF4B2B}" type="slidenum">
               <a:rPr/>
+              <a:t>19</a:t>
             </a:fld>
             <a:endParaRPr/>
           </a:p>
@@ -17873,7 +17979,9 @@
           <p:txBody>
             <a:bodyPr wrap="square" lIns="0" tIns="0" rIns="0" bIns="0" rtlCol="0"/>
             <a:lstStyle/>
-            <a:p/>
+            <a:p>
+              <a:endParaRPr/>
+            </a:p>
           </p:txBody>
         </p:sp>
         <p:sp>
@@ -18019,7 +18127,9 @@
           <p:txBody>
             <a:bodyPr wrap="square" lIns="0" tIns="0" rIns="0" bIns="0" rtlCol="0"/>
             <a:lstStyle/>
-            <a:p/>
+            <a:p>
+              <a:endParaRPr/>
+            </a:p>
           </p:txBody>
         </p:sp>
         <p:sp>
@@ -18163,7 +18273,9 @@
           <p:txBody>
             <a:bodyPr wrap="square" lIns="0" tIns="0" rIns="0" bIns="0" rtlCol="0"/>
             <a:lstStyle/>
-            <a:p/>
+            <a:p>
+              <a:endParaRPr/>
+            </a:p>
           </p:txBody>
         </p:sp>
         <p:sp>
@@ -18309,7 +18421,9 @@
           <p:txBody>
             <a:bodyPr wrap="square" lIns="0" tIns="0" rIns="0" bIns="0" rtlCol="0"/>
             <a:lstStyle/>
-            <a:p/>
+            <a:p>
+              <a:endParaRPr/>
+            </a:p>
           </p:txBody>
         </p:sp>
         <p:sp>
@@ -19572,7 +19686,9 @@
           <p:txBody>
             <a:bodyPr wrap="square" lIns="0" tIns="0" rIns="0" bIns="0" rtlCol="0"/>
             <a:lstStyle/>
-            <a:p/>
+            <a:p>
+              <a:endParaRPr/>
+            </a:p>
           </p:txBody>
         </p:sp>
       </p:grpSp>
@@ -19683,17 +19799,7 @@
                 <a:latin typeface="Tahoma" panose="020B0604030504040204"/>
                 <a:cs typeface="Tahoma" panose="020B0604030504040204"/>
               </a:rPr>
-              <a:t>v</a:t>
-            </a:r>
-            <a:r>
-              <a:rPr sz="4200" spc="65" dirty="0">
-                <a:solidFill>
-                  <a:srgbClr val="404040"/>
-                </a:solidFill>
-                <a:latin typeface="Tahoma" panose="020B0604030504040204"/>
-                <a:cs typeface="Tahoma" panose="020B0604030504040204"/>
-              </a:rPr>
-              <a:t>e</a:t>
+              <a:t>ve</a:t>
             </a:r>
             <a:r>
               <a:rPr sz="4200" spc="-55" dirty="0">
@@ -19898,7 +20004,7 @@
                 </a:solidFill>
                 <a:latin typeface="Courier New" panose="02070309020205020404"/>
                 <a:cs typeface="Courier New" panose="02070309020205020404"/>
-                <a:hlinkClick r:id="rId1"/>
+                <a:hlinkClick r:id="rId2"/>
               </a:rPr>
               <a:t>http://mysite/api/products/5</a:t>
             </a:r>
@@ -20275,7 +20381,9 @@
           <p:txBody>
             <a:bodyPr wrap="square" lIns="0" tIns="0" rIns="0" bIns="0" rtlCol="0"/>
             <a:lstStyle/>
-            <a:p/>
+            <a:p>
+              <a:endParaRPr/>
+            </a:p>
           </p:txBody>
         </p:sp>
         <p:sp>
@@ -20326,7 +20434,9 @@
           <p:txBody>
             <a:bodyPr wrap="square" lIns="0" tIns="0" rIns="0" bIns="0" rtlCol="0"/>
             <a:lstStyle/>
-            <a:p/>
+            <a:p>
+              <a:endParaRPr/>
+            </a:p>
           </p:txBody>
         </p:sp>
         <p:sp>
@@ -20379,7 +20489,9 @@
           <p:txBody>
             <a:bodyPr wrap="square" lIns="0" tIns="0" rIns="0" bIns="0" rtlCol="0"/>
             <a:lstStyle/>
-            <a:p/>
+            <a:p>
+              <a:endParaRPr/>
+            </a:p>
           </p:txBody>
         </p:sp>
         <p:sp>
@@ -20430,7 +20542,9 @@
           <p:txBody>
             <a:bodyPr wrap="square" lIns="0" tIns="0" rIns="0" bIns="0" rtlCol="0"/>
             <a:lstStyle/>
-            <a:p/>
+            <a:p>
+              <a:endParaRPr/>
+            </a:p>
           </p:txBody>
         </p:sp>
         <p:sp>
@@ -20483,7 +20597,9 @@
           <p:txBody>
             <a:bodyPr wrap="square" lIns="0" tIns="0" rIns="0" bIns="0" rtlCol="0"/>
             <a:lstStyle/>
-            <a:p/>
+            <a:p>
+              <a:endParaRPr/>
+            </a:p>
           </p:txBody>
         </p:sp>
       </p:grpSp>
@@ -20810,7 +20926,9 @@
           <p:txBody>
             <a:bodyPr wrap="square" lIns="0" tIns="0" rIns="0" bIns="0" rtlCol="0"/>
             <a:lstStyle/>
-            <a:p/>
+            <a:p>
+              <a:endParaRPr/>
+            </a:p>
           </p:txBody>
         </p:sp>
         <p:sp>
@@ -21150,7 +21268,9 @@
           <p:txBody>
             <a:bodyPr wrap="square" lIns="0" tIns="0" rIns="0" bIns="0" rtlCol="0"/>
             <a:lstStyle/>
-            <a:p/>
+            <a:p>
+              <a:endParaRPr/>
+            </a:p>
           </p:txBody>
         </p:sp>
         <p:sp>
@@ -21432,7 +21552,9 @@
           <p:txBody>
             <a:bodyPr wrap="square" lIns="0" tIns="0" rIns="0" bIns="0" rtlCol="0"/>
             <a:lstStyle/>
-            <a:p/>
+            <a:p>
+              <a:endParaRPr/>
+            </a:p>
           </p:txBody>
         </p:sp>
         <p:sp>
@@ -21480,7 +21602,9 @@
           <p:txBody>
             <a:bodyPr wrap="square" lIns="0" tIns="0" rIns="0" bIns="0" rtlCol="0"/>
             <a:lstStyle/>
-            <a:p/>
+            <a:p>
+              <a:endParaRPr/>
+            </a:p>
           </p:txBody>
         </p:sp>
         <p:sp>
@@ -21530,7 +21654,9 @@
           <p:txBody>
             <a:bodyPr wrap="square" lIns="0" tIns="0" rIns="0" bIns="0" rtlCol="0"/>
             <a:lstStyle/>
-            <a:p/>
+            <a:p>
+              <a:endParaRPr/>
+            </a:p>
           </p:txBody>
         </p:sp>
       </p:grpSp>
@@ -21682,7 +21808,9 @@
           <p:txBody>
             <a:bodyPr wrap="square" lIns="0" tIns="0" rIns="0" bIns="0" rtlCol="0"/>
             <a:lstStyle/>
-            <a:p/>
+            <a:p>
+              <a:endParaRPr/>
+            </a:p>
           </p:txBody>
         </p:sp>
         <p:sp>
@@ -21735,7 +21863,9 @@
           <p:txBody>
             <a:bodyPr wrap="square" lIns="0" tIns="0" rIns="0" bIns="0" rtlCol="0"/>
             <a:lstStyle/>
-            <a:p/>
+            <a:p>
+              <a:endParaRPr/>
+            </a:p>
           </p:txBody>
         </p:sp>
         <p:sp>
@@ -21786,7 +21916,9 @@
           <p:txBody>
             <a:bodyPr wrap="square" lIns="0" tIns="0" rIns="0" bIns="0" rtlCol="0"/>
             <a:lstStyle/>
-            <a:p/>
+            <a:p>
+              <a:endParaRPr/>
+            </a:p>
           </p:txBody>
         </p:sp>
         <p:sp>
@@ -21839,7 +21971,9 @@
           <p:txBody>
             <a:bodyPr wrap="square" lIns="0" tIns="0" rIns="0" bIns="0" rtlCol="0"/>
             <a:lstStyle/>
-            <a:p/>
+            <a:p>
+              <a:endParaRPr/>
+            </a:p>
           </p:txBody>
         </p:sp>
       </p:grpSp>
@@ -22031,7 +22165,9 @@
           <p:txBody>
             <a:bodyPr wrap="square" lIns="0" tIns="0" rIns="0" bIns="0" rtlCol="0"/>
             <a:lstStyle/>
-            <a:p/>
+            <a:p>
+              <a:endParaRPr/>
+            </a:p>
           </p:txBody>
         </p:sp>
         <p:sp>
@@ -22084,7 +22220,9 @@
           <p:txBody>
             <a:bodyPr wrap="square" lIns="0" tIns="0" rIns="0" bIns="0" rtlCol="0"/>
             <a:lstStyle/>
-            <a:p/>
+            <a:p>
+              <a:endParaRPr/>
+            </a:p>
           </p:txBody>
         </p:sp>
         <p:sp>
@@ -22135,7 +22273,9 @@
           <p:txBody>
             <a:bodyPr wrap="square" lIns="0" tIns="0" rIns="0" bIns="0" rtlCol="0"/>
             <a:lstStyle/>
-            <a:p/>
+            <a:p>
+              <a:endParaRPr/>
+            </a:p>
           </p:txBody>
         </p:sp>
         <p:sp>
@@ -22188,7 +22328,9 @@
           <p:txBody>
             <a:bodyPr wrap="square" lIns="0" tIns="0" rIns="0" bIns="0" rtlCol="0"/>
             <a:lstStyle/>
-            <a:p/>
+            <a:p>
+              <a:endParaRPr/>
+            </a:p>
           </p:txBody>
         </p:sp>
       </p:grpSp>
@@ -22426,7 +22568,9 @@
           <p:txBody>
             <a:bodyPr wrap="square" lIns="0" tIns="0" rIns="0" bIns="0" rtlCol="0"/>
             <a:lstStyle/>
-            <a:p/>
+            <a:p>
+              <a:endParaRPr/>
+            </a:p>
           </p:txBody>
         </p:sp>
         <p:sp>
@@ -22479,7 +22623,9 @@
           <p:txBody>
             <a:bodyPr wrap="square" lIns="0" tIns="0" rIns="0" bIns="0" rtlCol="0"/>
             <a:lstStyle/>
-            <a:p/>
+            <a:p>
+              <a:endParaRPr/>
+            </a:p>
           </p:txBody>
         </p:sp>
         <p:sp>
@@ -22530,7 +22676,9 @@
           <p:txBody>
             <a:bodyPr wrap="square" lIns="0" tIns="0" rIns="0" bIns="0" rtlCol="0"/>
             <a:lstStyle/>
-            <a:p/>
+            <a:p>
+              <a:endParaRPr/>
+            </a:p>
           </p:txBody>
         </p:sp>
         <p:sp>
@@ -22583,7 +22731,9 @@
           <p:txBody>
             <a:bodyPr wrap="square" lIns="0" tIns="0" rIns="0" bIns="0" rtlCol="0"/>
             <a:lstStyle/>
-            <a:p/>
+            <a:p>
+              <a:endParaRPr/>
+            </a:p>
           </p:txBody>
         </p:sp>
       </p:grpSp>
@@ -22640,7 +22790,7 @@
           <p:nvPr/>
         </p:nvPicPr>
         <p:blipFill>
-          <a:blip r:embed="rId2" cstate="print"/>
+          <a:blip r:embed="rId3" cstate="print"/>
           <a:stretch>
             <a:fillRect/>
           </a:stretch>
@@ -22662,7 +22812,7 @@
           <p:nvPr/>
         </p:nvPicPr>
         <p:blipFill>
-          <a:blip r:embed="rId3" cstate="print"/>
+          <a:blip r:embed="rId4" cstate="print"/>
           <a:stretch>
             <a:fillRect/>
           </a:stretch>
@@ -22684,7 +22834,7 @@
           <p:nvPr/>
         </p:nvPicPr>
         <p:blipFill>
-          <a:blip r:embed="rId4" cstate="print"/>
+          <a:blip r:embed="rId5" cstate="print"/>
           <a:stretch>
             <a:fillRect/>
           </a:stretch>
@@ -22712,9 +22862,11 @@
         <p:spPr/>
         <p:txBody>
           <a:bodyPr/>
+          <a:lstStyle/>
           <a:p>
             <a:fld id="{B6F15528-21DE-4FAA-801E-634DDDAF4B2B}" type="slidenum">
               <a:rPr/>
+              <a:t>2</a:t>
             </a:fld>
             <a:endParaRPr/>
           </a:p>
@@ -22755,7 +22907,7 @@
         </p:nvGraphicFramePr>
         <p:xfrm>
           <a:off x="5910783" y="4662393"/>
-          <a:ext cx="3144520" cy="4541520"/>
+          <a:ext cx="3125470" cy="4528631"/>
         </p:xfrm>
         <a:graphic>
           <a:graphicData uri="http://schemas.openxmlformats.org/drawingml/2006/table">
@@ -22764,8 +22916,20 @@
                 <a:tableStyleId>{2D5ABB26-0587-4C30-8999-92F81FD0307C}</a:tableStyleId>
               </a:tblPr>
               <a:tblGrid>
-                <a:gridCol w="1562735"/>
-                <a:gridCol w="1562735"/>
+                <a:gridCol w="1562735">
+                  <a:extLst>
+                    <a:ext uri="{9D8B030D-6E8A-4147-A177-3AD203B41FA5}">
+                      <a16:colId xmlns:a16="http://schemas.microsoft.com/office/drawing/2014/main" val="20000"/>
+                    </a:ext>
+                  </a:extLst>
+                </a:gridCol>
+                <a:gridCol w="1562735">
+                  <a:extLst>
+                    <a:ext uri="{9D8B030D-6E8A-4147-A177-3AD203B41FA5}">
+                      <a16:colId xmlns:a16="http://schemas.microsoft.com/office/drawing/2014/main" val="20001"/>
+                    </a:ext>
+                  </a:extLst>
+                </a:gridCol>
               </a:tblGrid>
               <a:tr h="877824">
                 <a:tc gridSpan="2">
@@ -22828,8 +22992,20 @@
                   </a:tcPr>
                 </a:tc>
                 <a:tc hMerge="1">
+                  <a:txBody>
+                    <a:bodyPr/>
+                    <a:lstStyle/>
+                    <a:p>
+                      <a:endParaRPr lang="en-US"/>
+                    </a:p>
+                  </a:txBody>
                   <a:tcPr marL="0" marR="0" marT="0" marB="0"/>
                 </a:tc>
+                <a:extLst>
+                  <a:ext uri="{0D108BD9-81ED-4DB2-BD59-A6C34878D82A}">
+                    <a16:rowId xmlns:a16="http://schemas.microsoft.com/office/drawing/2014/main" val="10000"/>
+                  </a:ext>
+                </a:extLst>
               </a:tr>
               <a:tr h="337698">
                 <a:tc>
@@ -22906,6 +23082,11 @@
                     </a:lnB>
                   </a:tcPr>
                 </a:tc>
+                <a:extLst>
+                  <a:ext uri="{0D108BD9-81ED-4DB2-BD59-A6C34878D82A}">
+                    <a16:rowId xmlns:a16="http://schemas.microsoft.com/office/drawing/2014/main" val="10001"/>
+                  </a:ext>
+                </a:extLst>
               </a:tr>
               <a:tr h="877824">
                 <a:tc gridSpan="2">
@@ -23008,8 +23189,20 @@
                   </a:tcPr>
                 </a:tc>
                 <a:tc hMerge="1">
+                  <a:txBody>
+                    <a:bodyPr/>
+                    <a:lstStyle/>
+                    <a:p>
+                      <a:endParaRPr lang="en-US"/>
+                    </a:p>
+                  </a:txBody>
                   <a:tcPr marL="0" marR="0" marT="0" marB="0"/>
                 </a:tc>
+                <a:extLst>
+                  <a:ext uri="{0D108BD9-81ED-4DB2-BD59-A6C34878D82A}">
+                    <a16:rowId xmlns:a16="http://schemas.microsoft.com/office/drawing/2014/main" val="10002"/>
+                  </a:ext>
+                </a:extLst>
               </a:tr>
               <a:tr h="337700">
                 <a:tc>
@@ -23086,6 +23279,11 @@
                     </a:lnB>
                   </a:tcPr>
                 </a:tc>
+                <a:extLst>
+                  <a:ext uri="{0D108BD9-81ED-4DB2-BD59-A6C34878D82A}">
+                    <a16:rowId xmlns:a16="http://schemas.microsoft.com/office/drawing/2014/main" val="10003"/>
+                  </a:ext>
+                </a:extLst>
               </a:tr>
               <a:tr h="877824">
                 <a:tc gridSpan="2">
@@ -23188,8 +23386,20 @@
                   </a:tcPr>
                 </a:tc>
                 <a:tc hMerge="1">
+                  <a:txBody>
+                    <a:bodyPr/>
+                    <a:lstStyle/>
+                    <a:p>
+                      <a:endParaRPr lang="en-US"/>
+                    </a:p>
+                  </a:txBody>
                   <a:tcPr marL="0" marR="0" marT="0" marB="0"/>
                 </a:tc>
+                <a:extLst>
+                  <a:ext uri="{0D108BD9-81ED-4DB2-BD59-A6C34878D82A}">
+                    <a16:rowId xmlns:a16="http://schemas.microsoft.com/office/drawing/2014/main" val="10004"/>
+                  </a:ext>
+                </a:extLst>
               </a:tr>
               <a:tr h="341937">
                 <a:tc>
@@ -23266,6 +23476,11 @@
                     </a:lnB>
                   </a:tcPr>
                 </a:tc>
+                <a:extLst>
+                  <a:ext uri="{0D108BD9-81ED-4DB2-BD59-A6C34878D82A}">
+                    <a16:rowId xmlns:a16="http://schemas.microsoft.com/office/drawing/2014/main" val="10005"/>
+                  </a:ext>
+                </a:extLst>
               </a:tr>
               <a:tr h="877824">
                 <a:tc gridSpan="2">
@@ -23328,8 +23543,20 @@
                   </a:tcPr>
                 </a:tc>
                 <a:tc hMerge="1">
+                  <a:txBody>
+                    <a:bodyPr/>
+                    <a:lstStyle/>
+                    <a:p>
+                      <a:endParaRPr lang="en-US"/>
+                    </a:p>
+                  </a:txBody>
                   <a:tcPr marL="0" marR="0" marT="0" marB="0"/>
                 </a:tc>
+                <a:extLst>
+                  <a:ext uri="{0D108BD9-81ED-4DB2-BD59-A6C34878D82A}">
+                    <a16:rowId xmlns:a16="http://schemas.microsoft.com/office/drawing/2014/main" val="10006"/>
+                  </a:ext>
+                </a:extLst>
               </a:tr>
             </a:tbl>
           </a:graphicData>
@@ -24577,7 +24804,9 @@
         <p:txBody>
           <a:bodyPr wrap="square" lIns="0" tIns="0" rIns="0" bIns="0" rtlCol="0"/>
           <a:lstStyle/>
-          <a:p/>
+          <a:p>
+            <a:endParaRPr/>
+          </a:p>
         </p:txBody>
       </p:sp>
       <p:sp>
@@ -25114,7 +25343,9 @@
         <p:txBody>
           <a:bodyPr wrap="square" lIns="0" tIns="0" rIns="0" bIns="0" rtlCol="0"/>
           <a:lstStyle/>
-          <a:p/>
+          <a:p>
+            <a:endParaRPr/>
+          </a:p>
         </p:txBody>
       </p:sp>
       <p:sp>
@@ -25699,7 +25930,9 @@
         <p:txBody>
           <a:bodyPr wrap="square" lIns="0" tIns="0" rIns="0" bIns="0" rtlCol="0"/>
           <a:lstStyle/>
-          <a:p/>
+          <a:p>
+            <a:endParaRPr/>
+          </a:p>
         </p:txBody>
       </p:sp>
       <p:sp>
@@ -25751,11 +25984,6 @@
               </a:rPr>
               <a:t>AppModule</a:t>
             </a:r>
-            <a:endParaRPr spc="5" dirty="0">
-              <a:solidFill>
-                <a:srgbClr val="FFFFFF"/>
-              </a:solidFill>
-            </a:endParaRPr>
           </a:p>
         </p:txBody>
       </p:sp>
@@ -25765,11 +25993,17 @@
           <p:cNvGraphicFramePr>
             <a:graphicFrameLocks noGrp="1"/>
           </p:cNvGraphicFramePr>
-          <p:nvPr/>
+          <p:nvPr>
+            <p:extLst>
+              <p:ext uri="{D42A27DB-BD31-4B8C-83A1-F6EECF244321}">
+                <p14:modId xmlns:p14="http://schemas.microsoft.com/office/powerpoint/2010/main" val="464251396"/>
+              </p:ext>
+            </p:extLst>
+          </p:nvPr>
         </p:nvGraphicFramePr>
         <p:xfrm>
-          <a:off x="1112007" y="335347"/>
-          <a:ext cx="9873615" cy="890905"/>
+          <a:off x="1270636" y="335347"/>
+          <a:ext cx="9854564" cy="877824"/>
         </p:xfrm>
         <a:graphic>
           <a:graphicData uri="http://schemas.openxmlformats.org/drawingml/2006/table">
@@ -25778,11 +26012,41 @@
                 <a:tableStyleId>{2D5ABB26-0587-4C30-8999-92F81FD0307C}</a:tableStyleId>
               </a:tblPr>
               <a:tblGrid>
-                <a:gridCol w="2903220"/>
-                <a:gridCol w="605790"/>
-                <a:gridCol w="2743200"/>
-                <a:gridCol w="605789"/>
-                <a:gridCol w="2996565"/>
+                <a:gridCol w="2903220">
+                  <a:extLst>
+                    <a:ext uri="{9D8B030D-6E8A-4147-A177-3AD203B41FA5}">
+                      <a16:colId xmlns:a16="http://schemas.microsoft.com/office/drawing/2014/main" val="20000"/>
+                    </a:ext>
+                  </a:extLst>
+                </a:gridCol>
+                <a:gridCol w="605790">
+                  <a:extLst>
+                    <a:ext uri="{9D8B030D-6E8A-4147-A177-3AD203B41FA5}">
+                      <a16:colId xmlns:a16="http://schemas.microsoft.com/office/drawing/2014/main" val="20001"/>
+                    </a:ext>
+                  </a:extLst>
+                </a:gridCol>
+                <a:gridCol w="2743200">
+                  <a:extLst>
+                    <a:ext uri="{9D8B030D-6E8A-4147-A177-3AD203B41FA5}">
+                      <a16:colId xmlns:a16="http://schemas.microsoft.com/office/drawing/2014/main" val="20002"/>
+                    </a:ext>
+                  </a:extLst>
+                </a:gridCol>
+                <a:gridCol w="605789">
+                  <a:extLst>
+                    <a:ext uri="{9D8B030D-6E8A-4147-A177-3AD203B41FA5}">
+                      <a16:colId xmlns:a16="http://schemas.microsoft.com/office/drawing/2014/main" val="20003"/>
+                    </a:ext>
+                  </a:extLst>
+                </a:gridCol>
+                <a:gridCol w="2996565">
+                  <a:extLst>
+                    <a:ext uri="{9D8B030D-6E8A-4147-A177-3AD203B41FA5}">
+                      <a16:colId xmlns:a16="http://schemas.microsoft.com/office/drawing/2014/main" val="20004"/>
+                    </a:ext>
+                  </a:extLst>
+                </a:gridCol>
               </a:tblGrid>
               <a:tr h="877824">
                 <a:tc>
@@ -25854,7 +26118,7 @@
                           <a:spcPct val="100000"/>
                         </a:lnSpc>
                       </a:pPr>
-                      <a:endParaRPr sz="2400">
+                      <a:endParaRPr sz="2400" dirty="0">
                         <a:latin typeface="Times New Roman" panose="02020603050405020304"/>
                         <a:cs typeface="Times New Roman" panose="02020603050405020304"/>
                       </a:endParaRPr>
@@ -25901,7 +26165,7 @@
                         </a:rPr>
                         <a:t>FormsModule</a:t>
                       </a:r>
-                      <a:endParaRPr sz="2400">
+                      <a:endParaRPr sz="2400" dirty="0">
                         <a:latin typeface="Arial" panose="020B0604020202020204"/>
                         <a:cs typeface="Arial" panose="020B0604020202020204"/>
                       </a:endParaRPr>
@@ -25947,7 +26211,7 @@
                           <a:spcPct val="100000"/>
                         </a:lnSpc>
                       </a:pPr>
-                      <a:endParaRPr sz="2400">
+                      <a:endParaRPr sz="2400" dirty="0">
                         <a:latin typeface="Times New Roman" panose="02020603050405020304"/>
                         <a:cs typeface="Times New Roman" panose="02020603050405020304"/>
                       </a:endParaRPr>
@@ -25991,7 +26255,7 @@
                         </a:rPr>
                         <a:t>HttpClientModule</a:t>
                       </a:r>
-                      <a:endParaRPr sz="2400">
+                      <a:endParaRPr sz="2400" dirty="0">
                         <a:latin typeface="Arial" panose="020B0604020202020204"/>
                         <a:cs typeface="Arial" panose="020B0604020202020204"/>
                       </a:endParaRPr>
@@ -26027,6 +26291,11 @@
                     </a:solidFill>
                   </a:tcPr>
                 </a:tc>
+                <a:extLst>
+                  <a:ext uri="{0D108BD9-81ED-4DB2-BD59-A6C34878D82A}">
+                    <a16:rowId xmlns:a16="http://schemas.microsoft.com/office/drawing/2014/main" val="10000"/>
+                  </a:ext>
+                </a:extLst>
               </a:tr>
             </a:tbl>
           </a:graphicData>
@@ -26149,17 +26418,7 @@
                 <a:latin typeface="Arial" panose="020B0604020202020204"/>
                 <a:cs typeface="Arial" panose="020B0604020202020204"/>
               </a:rPr>
-              <a:t>a</a:t>
-            </a:r>
-            <a:r>
-              <a:rPr sz="2400" b="1" spc="-25" dirty="0">
-                <a:solidFill>
-                  <a:srgbClr val="2A9FBC"/>
-                </a:solidFill>
-                <a:latin typeface="Arial" panose="020B0604020202020204"/>
-                <a:cs typeface="Arial" panose="020B0604020202020204"/>
-              </a:rPr>
-              <a:t>r</a:t>
+              <a:t>ar</a:t>
             </a:r>
             <a:r>
               <a:rPr sz="2400" b="1" spc="-70" dirty="0">
@@ -26275,7 +26534,9 @@
         <p:txBody>
           <a:bodyPr wrap="square" lIns="0" tIns="0" rIns="0" bIns="0" rtlCol="0"/>
           <a:lstStyle/>
-          <a:p/>
+          <a:p>
+            <a:endParaRPr/>
+          </a:p>
         </p:txBody>
       </p:sp>
       <p:sp>
@@ -26315,7 +26576,9 @@
         <p:txBody>
           <a:bodyPr wrap="square" lIns="0" tIns="0" rIns="0" bIns="0" rtlCol="0"/>
           <a:lstStyle/>
-          <a:p/>
+          <a:p>
+            <a:endParaRPr/>
+          </a:p>
         </p:txBody>
       </p:sp>
       <p:sp>
@@ -26355,7 +26618,9 @@
         <p:txBody>
           <a:bodyPr wrap="square" lIns="0" tIns="0" rIns="0" bIns="0" rtlCol="0"/>
           <a:lstStyle/>
-          <a:p/>
+          <a:p>
+            <a:endParaRPr/>
+          </a:p>
         </p:txBody>
       </p:sp>
       <p:sp>
@@ -26395,7 +26660,9 @@
         <p:txBody>
           <a:bodyPr wrap="square" lIns="0" tIns="0" rIns="0" bIns="0" rtlCol="0"/>
           <a:lstStyle/>
-          <a:p/>
+          <a:p>
+            <a:endParaRPr/>
+          </a:p>
         </p:txBody>
       </p:sp>
       <p:sp>
@@ -26411,9 +26678,11 @@
         <p:spPr/>
         <p:txBody>
           <a:bodyPr/>
+          <a:lstStyle/>
           <a:p>
             <a:fld id="{B6F15528-21DE-4FAA-801E-634DDDAF4B2B}" type="slidenum">
               <a:rPr/>
+              <a:t>20</a:t>
             </a:fld>
             <a:endParaRPr/>
           </a:p>
@@ -26783,7 +27052,9 @@
           <p:txBody>
             <a:bodyPr wrap="square" lIns="0" tIns="0" rIns="0" bIns="0" rtlCol="0"/>
             <a:lstStyle/>
-            <a:p/>
+            <a:p>
+              <a:endParaRPr/>
+            </a:p>
           </p:txBody>
         </p:sp>
         <p:sp>
@@ -26833,7 +27104,9 @@
           <p:txBody>
             <a:bodyPr wrap="square" lIns="0" tIns="0" rIns="0" bIns="0" rtlCol="0"/>
             <a:lstStyle/>
-            <a:p/>
+            <a:p>
+              <a:endParaRPr/>
+            </a:p>
           </p:txBody>
         </p:sp>
         <p:sp>
@@ -26883,7 +27156,9 @@
           <p:txBody>
             <a:bodyPr wrap="square" lIns="0" tIns="0" rIns="0" bIns="0" rtlCol="0"/>
             <a:lstStyle/>
-            <a:p/>
+            <a:p>
+              <a:endParaRPr/>
+            </a:p>
           </p:txBody>
         </p:sp>
       </p:grpSp>
@@ -27270,7 +27545,7 @@
                 </a:solidFill>
                 <a:latin typeface="Courier New" panose="02070309020205020404"/>
                 <a:cs typeface="Courier New" panose="02070309020205020404"/>
-                <a:hlinkClick r:id="rId1"/>
+                <a:hlinkClick r:id="rId2"/>
               </a:rPr>
               <a:t>'www.myWebService.com/api/products'</a:t>
             </a:r>
@@ -27492,9 +27767,11 @@
         <p:spPr/>
         <p:txBody>
           <a:bodyPr/>
+          <a:lstStyle/>
           <a:p>
             <a:fld id="{B6F15528-21DE-4FAA-801E-634DDDAF4B2B}" type="slidenum">
               <a:rPr/>
+              <a:t>21</a:t>
             </a:fld>
             <a:endParaRPr/>
           </a:p>
@@ -27864,7 +28141,9 @@
           <p:txBody>
             <a:bodyPr wrap="square" lIns="0" tIns="0" rIns="0" bIns="0" rtlCol="0"/>
             <a:lstStyle/>
-            <a:p/>
+            <a:p>
+              <a:endParaRPr/>
+            </a:p>
           </p:txBody>
         </p:sp>
         <p:sp>
@@ -27914,7 +28193,9 @@
           <p:txBody>
             <a:bodyPr wrap="square" lIns="0" tIns="0" rIns="0" bIns="0" rtlCol="0"/>
             <a:lstStyle/>
-            <a:p/>
+            <a:p>
+              <a:endParaRPr/>
+            </a:p>
           </p:txBody>
         </p:sp>
         <p:sp>
@@ -27964,7 +28245,9 @@
           <p:txBody>
             <a:bodyPr wrap="square" lIns="0" tIns="0" rIns="0" bIns="0" rtlCol="0"/>
             <a:lstStyle/>
-            <a:p/>
+            <a:p>
+              <a:endParaRPr/>
+            </a:p>
           </p:txBody>
         </p:sp>
       </p:grpSp>
@@ -28351,7 +28634,7 @@
                 </a:solidFill>
                 <a:latin typeface="Courier New" panose="02070309020205020404"/>
                 <a:cs typeface="Courier New" panose="02070309020205020404"/>
-                <a:hlinkClick r:id="rId1"/>
+                <a:hlinkClick r:id="rId2"/>
               </a:rPr>
               <a:t>'www.myWebService.com/api/products'</a:t>
             </a:r>
@@ -28573,9 +28856,11 @@
         <p:spPr/>
         <p:txBody>
           <a:bodyPr/>
+          <a:lstStyle/>
           <a:p>
             <a:fld id="{B6F15528-21DE-4FAA-801E-634DDDAF4B2B}" type="slidenum">
               <a:rPr/>
+              <a:t>22</a:t>
             </a:fld>
             <a:endParaRPr/>
           </a:p>
@@ -28945,7 +29230,9 @@
           <p:txBody>
             <a:bodyPr wrap="square" lIns="0" tIns="0" rIns="0" bIns="0" rtlCol="0"/>
             <a:lstStyle/>
-            <a:p/>
+            <a:p>
+              <a:endParaRPr/>
+            </a:p>
           </p:txBody>
         </p:sp>
         <p:sp>
@@ -28995,7 +29282,9 @@
           <p:txBody>
             <a:bodyPr wrap="square" lIns="0" tIns="0" rIns="0" bIns="0" rtlCol="0"/>
             <a:lstStyle/>
-            <a:p/>
+            <a:p>
+              <a:endParaRPr/>
+            </a:p>
           </p:txBody>
         </p:sp>
         <p:sp>
@@ -29045,7 +29334,9 @@
           <p:txBody>
             <a:bodyPr wrap="square" lIns="0" tIns="0" rIns="0" bIns="0" rtlCol="0"/>
             <a:lstStyle/>
-            <a:p/>
+            <a:p>
+              <a:endParaRPr/>
+            </a:p>
           </p:txBody>
         </p:sp>
       </p:grpSp>
@@ -29480,7 +29771,7 @@
                 </a:solidFill>
                 <a:latin typeface="Courier New" panose="02070309020205020404"/>
                 <a:cs typeface="Courier New" panose="02070309020205020404"/>
-                <a:hlinkClick r:id="rId1"/>
+                <a:hlinkClick r:id="rId2"/>
               </a:rPr>
               <a:t>'www.myWebService.com/api/products'</a:t>
             </a:r>
@@ -29716,9 +30007,11 @@
         <p:spPr/>
         <p:txBody>
           <a:bodyPr/>
+          <a:lstStyle/>
           <a:p>
             <a:fld id="{B6F15528-21DE-4FAA-801E-634DDDAF4B2B}" type="slidenum">
               <a:rPr/>
+              <a:t>23</a:t>
             </a:fld>
             <a:endParaRPr/>
           </a:p>
@@ -29954,9 +30247,11 @@
         <p:spPr/>
         <p:txBody>
           <a:bodyPr/>
+          <a:lstStyle/>
           <a:p>
             <a:fld id="{B6F15528-21DE-4FAA-801E-634DDDAF4B2B}" type="slidenum">
               <a:rPr/>
+              <a:t>24</a:t>
             </a:fld>
             <a:endParaRPr/>
           </a:p>
@@ -30116,7 +30411,9 @@
           <p:txBody>
             <a:bodyPr wrap="square" lIns="0" tIns="0" rIns="0" bIns="0" rtlCol="0"/>
             <a:lstStyle/>
-            <a:p/>
+            <a:p>
+              <a:endParaRPr/>
+            </a:p>
           </p:txBody>
         </p:sp>
         <p:sp>
@@ -30166,7 +30463,9 @@
           <p:txBody>
             <a:bodyPr wrap="square" lIns="0" tIns="0" rIns="0" bIns="0" rtlCol="0"/>
             <a:lstStyle/>
-            <a:p/>
+            <a:p>
+              <a:endParaRPr/>
+            </a:p>
           </p:txBody>
         </p:sp>
         <p:sp>
@@ -30216,7 +30515,9 @@
           <p:txBody>
             <a:bodyPr wrap="square" lIns="0" tIns="0" rIns="0" bIns="0" rtlCol="0"/>
             <a:lstStyle/>
-            <a:p/>
+            <a:p>
+              <a:endParaRPr/>
+            </a:p>
           </p:txBody>
         </p:sp>
       </p:grpSp>
@@ -30934,9 +31235,11 @@
         <p:spPr/>
         <p:txBody>
           <a:bodyPr/>
+          <a:lstStyle/>
           <a:p>
             <a:fld id="{B6F15528-21DE-4FAA-801E-634DDDAF4B2B}" type="slidenum">
               <a:rPr/>
+              <a:t>25</a:t>
             </a:fld>
             <a:endParaRPr/>
           </a:p>
@@ -31004,7 +31307,9 @@
         <p:txBody>
           <a:bodyPr wrap="square" lIns="0" tIns="0" rIns="0" bIns="0" rtlCol="0"/>
           <a:lstStyle/>
-          <a:p/>
+          <a:p>
+            <a:endParaRPr/>
+          </a:p>
         </p:txBody>
       </p:sp>
       <p:sp>
@@ -31124,7 +31429,7 @@
           <p:nvPr/>
         </p:nvPicPr>
         <p:blipFill>
-          <a:blip r:embed="rId1" cstate="print"/>
+          <a:blip r:embed="rId2" cstate="print"/>
           <a:stretch>
             <a:fillRect/>
           </a:stretch>
@@ -31240,17 +31545,7 @@
                 <a:latin typeface="Courier New" panose="02070309020205020404"/>
                 <a:cs typeface="Courier New" panose="02070309020205020404"/>
               </a:rPr>
-              <a:t>(Observer)  </a:t>
-            </a:r>
-            <a:r>
-              <a:rPr sz="3000" spc="-5" dirty="0">
-                <a:solidFill>
-                  <a:srgbClr val="404040"/>
-                </a:solidFill>
-                <a:latin typeface="Courier New" panose="02070309020205020404"/>
-                <a:cs typeface="Courier New" panose="02070309020205020404"/>
-              </a:rPr>
-              <a:t>x.</a:t>
+              <a:t>(Observer)  x.</a:t>
             </a:r>
             <a:r>
               <a:rPr sz="3000" spc="-5" dirty="0">
@@ -31521,9 +31816,11 @@
         <p:spPr/>
         <p:txBody>
           <a:bodyPr/>
+          <a:lstStyle/>
           <a:p>
             <a:fld id="{B6F15528-21DE-4FAA-801E-634DDDAF4B2B}" type="slidenum">
               <a:rPr/>
+              <a:t>26</a:t>
             </a:fld>
             <a:endParaRPr/>
           </a:p>
@@ -31711,7 +32008,9 @@
         <p:txBody>
           <a:bodyPr wrap="square" lIns="0" tIns="0" rIns="0" bIns="0" rtlCol="0"/>
           <a:lstStyle/>
-          <a:p/>
+          <a:p>
+            <a:endParaRPr/>
+          </a:p>
         </p:txBody>
       </p:sp>
       <p:sp>
@@ -31828,10 +32127,6 @@
               </a:rPr>
               <a:t>.productService.getProducts().subscribe({</a:t>
             </a:r>
-            <a:endParaRPr sz="3200">
-              <a:latin typeface="Courier New" panose="02070309020205020404"/>
-              <a:cs typeface="Courier New" panose="02070309020205020404"/>
-            </a:endParaRPr>
           </a:p>
           <a:p>
             <a:pPr marL="1649730">
@@ -31926,10 +32221,6 @@
               </a:rPr>
               <a:t>products,</a:t>
             </a:r>
-            <a:endParaRPr sz="3200">
-              <a:latin typeface="Courier New" panose="02070309020205020404"/>
-              <a:cs typeface="Courier New" panose="02070309020205020404"/>
-            </a:endParaRPr>
           </a:p>
           <a:p>
             <a:pPr marL="1649730">
@@ -32027,10 +32318,6 @@
               </a:rPr>
               <a:t>err</a:t>
             </a:r>
-            <a:endParaRPr sz="3200">
-              <a:latin typeface="Courier New" panose="02070309020205020404"/>
-              <a:cs typeface="Courier New" panose="02070309020205020404"/>
-            </a:endParaRPr>
           </a:p>
           <a:p>
             <a:pPr marL="916305">
@@ -32045,10 +32332,6 @@
               </a:rPr>
               <a:t>});</a:t>
             </a:r>
-            <a:endParaRPr sz="3200">
-              <a:latin typeface="Courier New" panose="02070309020205020404"/>
-              <a:cs typeface="Courier New" panose="02070309020205020404"/>
-            </a:endParaRPr>
           </a:p>
           <a:p>
             <a:pPr marL="182880">
@@ -32066,10 +32349,6 @@
               </a:rPr>
               <a:t>}</a:t>
             </a:r>
-            <a:endParaRPr sz="3200">
-              <a:latin typeface="Courier New" panose="02070309020205020404"/>
-              <a:cs typeface="Courier New" panose="02070309020205020404"/>
-            </a:endParaRPr>
           </a:p>
         </p:txBody>
       </p:sp>
@@ -32120,7 +32399,9 @@
         <p:txBody>
           <a:bodyPr wrap="square" lIns="0" tIns="0" rIns="0" bIns="0" rtlCol="0"/>
           <a:lstStyle/>
-          <a:p/>
+          <a:p>
+            <a:endParaRPr/>
+          </a:p>
         </p:txBody>
       </p:sp>
       <p:sp>
@@ -32476,9 +32757,11 @@
         <p:spPr/>
         <p:txBody>
           <a:bodyPr/>
+          <a:lstStyle/>
           <a:p>
             <a:fld id="{B6F15528-21DE-4FAA-801E-634DDDAF4B2B}" type="slidenum">
               <a:rPr/>
+              <a:t>27</a:t>
             </a:fld>
             <a:endParaRPr/>
           </a:p>
@@ -32546,7 +32829,9 @@
         <p:txBody>
           <a:bodyPr wrap="square" lIns="0" tIns="0" rIns="0" bIns="0" rtlCol="0"/>
           <a:lstStyle/>
-          <a:p/>
+          <a:p>
+            <a:endParaRPr/>
+          </a:p>
         </p:txBody>
       </p:sp>
       <p:sp>
@@ -32586,7 +32871,9 @@
         <p:txBody>
           <a:bodyPr wrap="square" lIns="0" tIns="0" rIns="0" bIns="0" rtlCol="0"/>
           <a:lstStyle/>
-          <a:p/>
+          <a:p>
+            <a:endParaRPr/>
+          </a:p>
         </p:txBody>
       </p:sp>
       <p:sp>
@@ -32626,7 +32913,9 @@
         <p:txBody>
           <a:bodyPr wrap="square" lIns="0" tIns="0" rIns="0" bIns="0" rtlCol="0"/>
           <a:lstStyle/>
-          <a:p/>
+          <a:p>
+            <a:endParaRPr/>
+          </a:p>
         </p:txBody>
       </p:sp>
       <p:sp>
@@ -33154,7 +33443,7 @@
           <p:nvPr/>
         </p:nvPicPr>
         <p:blipFill>
-          <a:blip r:embed="rId1" cstate="print"/>
+          <a:blip r:embed="rId2" cstate="print"/>
           <a:stretch>
             <a:fillRect/>
           </a:stretch>
@@ -33176,7 +33465,7 @@
           <p:nvPr/>
         </p:nvPicPr>
         <p:blipFill>
-          <a:blip r:embed="rId2" cstate="print"/>
+          <a:blip r:embed="rId3" cstate="print"/>
           <a:stretch>
             <a:fillRect/>
           </a:stretch>
@@ -33198,7 +33487,7 @@
           <p:nvPr/>
         </p:nvPicPr>
         <p:blipFill>
-          <a:blip r:embed="rId3" cstate="print"/>
+          <a:blip r:embed="rId4" cstate="print"/>
           <a:stretch>
             <a:fillRect/>
           </a:stretch>
@@ -33226,9 +33515,11 @@
         <p:spPr/>
         <p:txBody>
           <a:bodyPr/>
+          <a:lstStyle/>
           <a:p>
             <a:fld id="{B6F15528-21DE-4FAA-801E-634DDDAF4B2B}" type="slidenum">
               <a:rPr/>
+              <a:t>28</a:t>
             </a:fld>
             <a:endParaRPr/>
           </a:p>
@@ -33428,7 +33719,9 @@
           <p:txBody>
             <a:bodyPr wrap="square" lIns="0" tIns="0" rIns="0" bIns="0" rtlCol="0"/>
             <a:lstStyle/>
-            <a:p/>
+            <a:p>
+              <a:endParaRPr/>
+            </a:p>
           </p:txBody>
         </p:sp>
         <p:sp>
@@ -33478,7 +33771,9 @@
           <p:txBody>
             <a:bodyPr wrap="square" lIns="0" tIns="0" rIns="0" bIns="0" rtlCol="0"/>
             <a:lstStyle/>
-            <a:p/>
+            <a:p>
+              <a:endParaRPr/>
+            </a:p>
           </p:txBody>
         </p:sp>
       </p:grpSp>
@@ -33575,7 +33870,9 @@
         <p:txBody>
           <a:bodyPr wrap="square" lIns="0" tIns="0" rIns="0" bIns="0" rtlCol="0"/>
           <a:lstStyle/>
-          <a:p/>
+          <a:p>
+            <a:endParaRPr/>
+          </a:p>
         </p:txBody>
       </p:sp>
       <p:sp>
@@ -34017,9 +34314,11 @@
         <p:spPr/>
         <p:txBody>
           <a:bodyPr/>
+          <a:lstStyle/>
           <a:p>
             <a:fld id="{B6F15528-21DE-4FAA-801E-634DDDAF4B2B}" type="slidenum">
               <a:rPr/>
+              <a:t>29</a:t>
             </a:fld>
             <a:endParaRPr/>
           </a:p>
@@ -34057,7 +34356,7 @@
           <p:nvPr/>
         </p:nvPicPr>
         <p:blipFill>
-          <a:blip r:embed="rId1" cstate="print"/>
+          <a:blip r:embed="rId2" cstate="print"/>
           <a:stretch>
             <a:fillRect/>
           </a:stretch>
@@ -34421,9 +34720,11 @@
         <p:spPr/>
         <p:txBody>
           <a:bodyPr/>
+          <a:lstStyle/>
           <a:p>
             <a:fld id="{B6F15528-21DE-4FAA-801E-634DDDAF4B2B}" type="slidenum">
               <a:rPr/>
+              <a:t>3</a:t>
             </a:fld>
             <a:endParaRPr/>
           </a:p>
@@ -34723,9 +35024,11 @@
         <p:spPr/>
         <p:txBody>
           <a:bodyPr/>
+          <a:lstStyle/>
           <a:p>
             <a:fld id="{B6F15528-21DE-4FAA-801E-634DDDAF4B2B}" type="slidenum">
               <a:rPr/>
+              <a:t>30</a:t>
             </a:fld>
             <a:endParaRPr/>
           </a:p>
@@ -34815,7 +35118,9 @@
           <p:txBody>
             <a:bodyPr wrap="square" lIns="0" tIns="0" rIns="0" bIns="0" rtlCol="0"/>
             <a:lstStyle/>
-            <a:p/>
+            <a:p>
+              <a:endParaRPr/>
+            </a:p>
           </p:txBody>
         </p:sp>
         <p:sp>
@@ -34863,7 +35168,9 @@
           <p:txBody>
             <a:bodyPr wrap="square" lIns="0" tIns="0" rIns="0" bIns="0" rtlCol="0"/>
             <a:lstStyle/>
-            <a:p/>
+            <a:p>
+              <a:endParaRPr/>
+            </a:p>
           </p:txBody>
         </p:sp>
         <p:sp>
@@ -34913,7 +35220,9 @@
           <p:txBody>
             <a:bodyPr wrap="square" lIns="0" tIns="0" rIns="0" bIns="0" rtlCol="0"/>
             <a:lstStyle/>
-            <a:p/>
+            <a:p>
+              <a:endParaRPr/>
+            </a:p>
           </p:txBody>
         </p:sp>
         <p:pic>
@@ -34923,7 +35232,7 @@
             <p:nvPr/>
           </p:nvPicPr>
           <p:blipFill>
-            <a:blip r:embed="rId1" cstate="print"/>
+            <a:blip r:embed="rId2" cstate="print"/>
             <a:stretch>
               <a:fillRect/>
             </a:stretch>
@@ -34972,7 +35281,6 @@
               <a:rPr spc="-50" dirty="0"/>
               <a:t>HTTP</a:t>
             </a:r>
-            <a:endParaRPr spc="-50" dirty="0"/>
           </a:p>
           <a:p>
             <a:pPr marL="12700">
@@ -34984,7 +35292,6 @@
               <a:rPr spc="-40" dirty="0"/>
               <a:t>Checklist:</a:t>
             </a:r>
-            <a:endParaRPr spc="-40" dirty="0"/>
           </a:p>
         </p:txBody>
       </p:sp>
@@ -35343,7 +35650,7 @@
               </a:rPr>
               <a:t>Modules</a:t>
             </a:r>
-            <a:endParaRPr sz="3600">
+            <a:endParaRPr sz="3600" dirty="0">
               <a:latin typeface="Arial" panose="020B0604020202020204"/>
               <a:cs typeface="Arial" panose="020B0604020202020204"/>
             </a:endParaRPr>
@@ -35700,9 +36007,11 @@
         <p:spPr/>
         <p:txBody>
           <a:bodyPr/>
+          <a:lstStyle/>
           <a:p>
             <a:fld id="{B6F15528-21DE-4FAA-801E-634DDDAF4B2B}" type="slidenum">
               <a:rPr/>
+              <a:t>31</a:t>
             </a:fld>
             <a:endParaRPr/>
           </a:p>
@@ -35792,7 +36101,9 @@
           <p:txBody>
             <a:bodyPr wrap="square" lIns="0" tIns="0" rIns="0" bIns="0" rtlCol="0"/>
             <a:lstStyle/>
-            <a:p/>
+            <a:p>
+              <a:endParaRPr/>
+            </a:p>
           </p:txBody>
         </p:sp>
         <p:sp>
@@ -35840,7 +36151,9 @@
           <p:txBody>
             <a:bodyPr wrap="square" lIns="0" tIns="0" rIns="0" bIns="0" rtlCol="0"/>
             <a:lstStyle/>
-            <a:p/>
+            <a:p>
+              <a:endParaRPr/>
+            </a:p>
           </p:txBody>
         </p:sp>
         <p:sp>
@@ -35890,7 +36203,9 @@
           <p:txBody>
             <a:bodyPr wrap="square" lIns="0" tIns="0" rIns="0" bIns="0" rtlCol="0"/>
             <a:lstStyle/>
-            <a:p/>
+            <a:p>
+              <a:endParaRPr/>
+            </a:p>
           </p:txBody>
         </p:sp>
         <p:pic>
@@ -35900,7 +36215,7 @@
             <p:nvPr/>
           </p:nvPicPr>
           <p:blipFill>
-            <a:blip r:embed="rId1" cstate="print"/>
+            <a:blip r:embed="rId2" cstate="print"/>
             <a:stretch>
               <a:fillRect/>
             </a:stretch>
@@ -35949,7 +36264,6 @@
               <a:rPr spc="-50" dirty="0"/>
               <a:t>HTTP</a:t>
             </a:r>
-            <a:endParaRPr spc="-50" dirty="0"/>
           </a:p>
           <a:p>
             <a:pPr marL="12700">
@@ -35961,7 +36275,6 @@
               <a:rPr spc="-40" dirty="0"/>
               <a:t>Checklist:</a:t>
             </a:r>
-            <a:endParaRPr spc="-40" dirty="0"/>
           </a:p>
         </p:txBody>
       </p:sp>
@@ -36164,7 +36477,6 @@
               <a:rPr spc="10" dirty="0"/>
               <a:t>constructor</a:t>
             </a:r>
-            <a:endParaRPr spc="10" dirty="0"/>
           </a:p>
           <a:p>
             <a:pPr marL="1722755" marR="2613660">
@@ -36263,7 +36575,6 @@
               <a:rPr spc="114" dirty="0"/>
               <a:t>get</a:t>
             </a:r>
-            <a:endParaRPr spc="114" dirty="0"/>
           </a:p>
           <a:p>
             <a:pPr marL="1722755">
@@ -36326,7 +36637,6 @@
               <a:rPr spc="80" dirty="0"/>
               <a:t>type</a:t>
             </a:r>
-            <a:endParaRPr spc="80" dirty="0"/>
           </a:p>
         </p:txBody>
       </p:sp>
@@ -36491,7 +36801,7 @@
                 </a:solidFill>
                 <a:latin typeface="Courier New" panose="02070309020205020404"/>
                 <a:cs typeface="Courier New" panose="02070309020205020404"/>
-                <a:hlinkClick r:id="rId2"/>
+                <a:hlinkClick r:id="rId3"/>
               </a:rPr>
               <a:t>'www.myService.com/api/products'</a:t>
             </a:r>
@@ -36713,9 +37023,11 @@
         <p:spPr/>
         <p:txBody>
           <a:bodyPr/>
+          <a:lstStyle/>
           <a:p>
             <a:fld id="{B6F15528-21DE-4FAA-801E-634DDDAF4B2B}" type="slidenum">
               <a:rPr/>
+              <a:t>32</a:t>
             </a:fld>
             <a:endParaRPr/>
           </a:p>
@@ -36805,7 +37117,9 @@
           <p:txBody>
             <a:bodyPr wrap="square" lIns="0" tIns="0" rIns="0" bIns="0" rtlCol="0"/>
             <a:lstStyle/>
-            <a:p/>
+            <a:p>
+              <a:endParaRPr/>
+            </a:p>
           </p:txBody>
         </p:sp>
         <p:sp>
@@ -36853,7 +37167,9 @@
           <p:txBody>
             <a:bodyPr wrap="square" lIns="0" tIns="0" rIns="0" bIns="0" rtlCol="0"/>
             <a:lstStyle/>
-            <a:p/>
+            <a:p>
+              <a:endParaRPr/>
+            </a:p>
           </p:txBody>
         </p:sp>
         <p:sp>
@@ -36903,7 +37219,9 @@
           <p:txBody>
             <a:bodyPr wrap="square" lIns="0" tIns="0" rIns="0" bIns="0" rtlCol="0"/>
             <a:lstStyle/>
-            <a:p/>
+            <a:p>
+              <a:endParaRPr/>
+            </a:p>
           </p:txBody>
         </p:sp>
         <p:pic>
@@ -36913,7 +37231,7 @@
             <p:nvPr/>
           </p:nvPicPr>
           <p:blipFill>
-            <a:blip r:embed="rId1" cstate="print"/>
+            <a:blip r:embed="rId2" cstate="print"/>
             <a:stretch>
               <a:fillRect/>
             </a:stretch>
@@ -36962,7 +37280,6 @@
               <a:rPr spc="-50" dirty="0"/>
               <a:t>HTTP</a:t>
             </a:r>
-            <a:endParaRPr spc="-50" dirty="0"/>
           </a:p>
           <a:p>
             <a:pPr marL="12700">
@@ -36974,7 +37291,6 @@
               <a:rPr spc="-40" dirty="0"/>
               <a:t>Checklist:</a:t>
             </a:r>
-            <a:endParaRPr spc="-40" dirty="0"/>
           </a:p>
         </p:txBody>
       </p:sp>
@@ -37237,10 +37553,6 @@
               </a:rPr>
               <a:t>{</a:t>
             </a:r>
-            <a:endParaRPr sz="2800">
-              <a:latin typeface="Courier New" panose="02070309020205020404"/>
-              <a:cs typeface="Courier New" panose="02070309020205020404"/>
-            </a:endParaRPr>
           </a:p>
           <a:p>
             <a:pPr marL="607695">
@@ -37302,7 +37614,7 @@
               </a:rPr>
               <a:t>.productUrl).pipe(</a:t>
             </a:r>
-            <a:endParaRPr sz="2800">
+            <a:endParaRPr sz="2800" dirty="0">
               <a:latin typeface="Courier New" panose="02070309020205020404"/>
               <a:cs typeface="Courier New" panose="02070309020205020404"/>
             </a:endParaRPr>
@@ -37368,7 +37680,7 @@
               </a:rPr>
               <a:t>.handleError)</a:t>
             </a:r>
-            <a:endParaRPr sz="2800">
+            <a:endParaRPr sz="2800" dirty="0">
               <a:latin typeface="Courier New" panose="02070309020205020404"/>
               <a:cs typeface="Courier New" panose="02070309020205020404"/>
             </a:endParaRPr>
@@ -37386,7 +37698,7 @@
               </a:rPr>
               <a:t>);</a:t>
             </a:r>
-            <a:endParaRPr sz="2800">
+            <a:endParaRPr sz="2800" dirty="0">
               <a:latin typeface="Courier New" panose="02070309020205020404"/>
               <a:cs typeface="Courier New" panose="02070309020205020404"/>
             </a:endParaRPr>
@@ -37407,10 +37719,6 @@
               </a:rPr>
               <a:t>}</a:t>
             </a:r>
-            <a:endParaRPr sz="2800">
-              <a:latin typeface="Courier New" panose="02070309020205020404"/>
-              <a:cs typeface="Courier New" panose="02070309020205020404"/>
-            </a:endParaRPr>
           </a:p>
           <a:p>
             <a:pPr>
@@ -37421,7 +37729,7 @@
                 <a:spcPts val="50"/>
               </a:spcBef>
             </a:pPr>
-            <a:endParaRPr sz="2900">
+            <a:endParaRPr sz="2900" dirty="0">
               <a:latin typeface="Courier New" panose="02070309020205020404"/>
               <a:cs typeface="Courier New" panose="02070309020205020404"/>
             </a:endParaRPr>
@@ -37490,10 +37798,6 @@
               </a:rPr>
               <a:t>{</a:t>
             </a:r>
-            <a:endParaRPr sz="2800">
-              <a:latin typeface="Courier New" panose="02070309020205020404"/>
-              <a:cs typeface="Courier New" panose="02070309020205020404"/>
-            </a:endParaRPr>
           </a:p>
           <a:p>
             <a:pPr marL="182245">
@@ -37508,10 +37812,6 @@
               </a:rPr>
               <a:t>}</a:t>
             </a:r>
-            <a:endParaRPr sz="2800">
-              <a:latin typeface="Courier New" panose="02070309020205020404"/>
-              <a:cs typeface="Courier New" panose="02070309020205020404"/>
-            </a:endParaRPr>
           </a:p>
         </p:txBody>
       </p:sp>
@@ -37528,9 +37828,11 @@
         <p:spPr/>
         <p:txBody>
           <a:bodyPr/>
+          <a:lstStyle/>
           <a:p>
             <a:fld id="{B6F15528-21DE-4FAA-801E-634DDDAF4B2B}" type="slidenum">
               <a:rPr/>
+              <a:t>33</a:t>
             </a:fld>
             <a:endParaRPr/>
           </a:p>
@@ -37620,7 +37922,9 @@
           <p:txBody>
             <a:bodyPr wrap="square" lIns="0" tIns="0" rIns="0" bIns="0" rtlCol="0"/>
             <a:lstStyle/>
-            <a:p/>
+            <a:p>
+              <a:endParaRPr/>
+            </a:p>
           </p:txBody>
         </p:sp>
         <p:sp>
@@ -37668,7 +37972,9 @@
           <p:txBody>
             <a:bodyPr wrap="square" lIns="0" tIns="0" rIns="0" bIns="0" rtlCol="0"/>
             <a:lstStyle/>
-            <a:p/>
+            <a:p>
+              <a:endParaRPr/>
+            </a:p>
           </p:txBody>
         </p:sp>
         <p:sp>
@@ -37718,7 +38024,9 @@
           <p:txBody>
             <a:bodyPr wrap="square" lIns="0" tIns="0" rIns="0" bIns="0" rtlCol="0"/>
             <a:lstStyle/>
-            <a:p/>
+            <a:p>
+              <a:endParaRPr/>
+            </a:p>
           </p:txBody>
         </p:sp>
         <p:pic>
@@ -37728,7 +38036,7 @@
             <p:nvPr/>
           </p:nvPicPr>
           <p:blipFill>
-            <a:blip r:embed="rId1" cstate="print"/>
+            <a:blip r:embed="rId2" cstate="print"/>
             <a:stretch>
               <a:fillRect/>
             </a:stretch>
@@ -37777,7 +38085,6 @@
               <a:rPr spc="-50" dirty="0"/>
               <a:t>HTTP</a:t>
             </a:r>
-            <a:endParaRPr spc="-50" dirty="0"/>
           </a:p>
           <a:p>
             <a:pPr marL="12700">
@@ -37789,7 +38096,6 @@
               <a:rPr spc="-40" dirty="0"/>
               <a:t>Checklist:</a:t>
             </a:r>
-            <a:endParaRPr spc="-40" dirty="0"/>
           </a:p>
         </p:txBody>
       </p:sp>
@@ -38617,9 +38923,11 @@
         <p:spPr/>
         <p:txBody>
           <a:bodyPr/>
+          <a:lstStyle/>
           <a:p>
             <a:fld id="{B6F15528-21DE-4FAA-801E-634DDDAF4B2B}" type="slidenum">
               <a:rPr/>
+              <a:t>34</a:t>
             </a:fld>
             <a:endParaRPr/>
           </a:p>
@@ -38709,7 +39017,9 @@
           <p:txBody>
             <a:bodyPr wrap="square" lIns="0" tIns="0" rIns="0" bIns="0" rtlCol="0"/>
             <a:lstStyle/>
-            <a:p/>
+            <a:p>
+              <a:endParaRPr/>
+            </a:p>
           </p:txBody>
         </p:sp>
         <p:sp>
@@ -38757,7 +39067,9 @@
           <p:txBody>
             <a:bodyPr wrap="square" lIns="0" tIns="0" rIns="0" bIns="0" rtlCol="0"/>
             <a:lstStyle/>
-            <a:p/>
+            <a:p>
+              <a:endParaRPr/>
+            </a:p>
           </p:txBody>
         </p:sp>
         <p:sp>
@@ -38807,7 +39119,9 @@
           <p:txBody>
             <a:bodyPr wrap="square" lIns="0" tIns="0" rIns="0" bIns="0" rtlCol="0"/>
             <a:lstStyle/>
-            <a:p/>
+            <a:p>
+              <a:endParaRPr/>
+            </a:p>
           </p:txBody>
         </p:sp>
         <p:pic>
@@ -38817,7 +39131,7 @@
             <p:nvPr/>
           </p:nvPicPr>
           <p:blipFill>
-            <a:blip r:embed="rId1" cstate="print"/>
+            <a:blip r:embed="rId2" cstate="print"/>
             <a:stretch>
               <a:fillRect/>
             </a:stretch>
@@ -38866,7 +39180,6 @@
               <a:rPr spc="-50" dirty="0"/>
               <a:t>HTTP</a:t>
             </a:r>
-            <a:endParaRPr spc="-50" dirty="0"/>
           </a:p>
           <a:p>
             <a:pPr marL="12700">
@@ -38878,7 +39191,6 @@
               <a:rPr spc="-40" dirty="0"/>
               <a:t>Checklist:</a:t>
             </a:r>
-            <a:endParaRPr spc="-40" dirty="0"/>
           </a:p>
         </p:txBody>
       </p:sp>
@@ -39681,9 +39993,11 @@
         <p:spPr/>
         <p:txBody>
           <a:bodyPr/>
+          <a:lstStyle/>
           <a:p>
             <a:fld id="{B6F15528-21DE-4FAA-801E-634DDDAF4B2B}" type="slidenum">
               <a:rPr/>
+              <a:t>35</a:t>
             </a:fld>
             <a:endParaRPr/>
           </a:p>
@@ -39903,7 +40217,9 @@
           <p:txBody>
             <a:bodyPr wrap="square" lIns="0" tIns="0" rIns="0" bIns="0" rtlCol="0"/>
             <a:lstStyle/>
-            <a:p/>
+            <a:p>
+              <a:endParaRPr/>
+            </a:p>
           </p:txBody>
         </p:sp>
         <p:sp>
@@ -40008,7 +40324,9 @@
           <p:txBody>
             <a:bodyPr wrap="square" lIns="0" tIns="0" rIns="0" bIns="0" rtlCol="0"/>
             <a:lstStyle/>
-            <a:p/>
+            <a:p>
+              <a:endParaRPr/>
+            </a:p>
           </p:txBody>
         </p:sp>
       </p:grpSp>
@@ -40114,7 +40432,9 @@
         <p:txBody>
           <a:bodyPr wrap="square" lIns="0" tIns="0" rIns="0" bIns="0" rtlCol="0"/>
           <a:lstStyle/>
-          <a:p/>
+          <a:p>
+            <a:endParaRPr/>
+          </a:p>
         </p:txBody>
       </p:sp>
       <p:sp>
@@ -40201,7 +40521,9 @@
         <p:txBody>
           <a:bodyPr wrap="square" lIns="0" tIns="0" rIns="0" bIns="0" rtlCol="0"/>
           <a:lstStyle/>
-          <a:p/>
+          <a:p>
+            <a:endParaRPr/>
+          </a:p>
         </p:txBody>
       </p:sp>
       <p:grpSp>
@@ -40323,7 +40645,9 @@
           <p:txBody>
             <a:bodyPr wrap="square" lIns="0" tIns="0" rIns="0" bIns="0" rtlCol="0"/>
             <a:lstStyle/>
-            <a:p/>
+            <a:p>
+              <a:endParaRPr/>
+            </a:p>
           </p:txBody>
         </p:sp>
         <p:sp>
@@ -40431,7 +40755,9 @@
           <p:txBody>
             <a:bodyPr wrap="square" lIns="0" tIns="0" rIns="0" bIns="0" rtlCol="0"/>
             <a:lstStyle/>
-            <a:p/>
+            <a:p>
+              <a:endParaRPr/>
+            </a:p>
           </p:txBody>
         </p:sp>
       </p:grpSp>
@@ -41156,9 +41482,11 @@
         <p:spPr/>
         <p:txBody>
           <a:bodyPr/>
+          <a:lstStyle/>
           <a:p>
             <a:fld id="{B6F15528-21DE-4FAA-801E-634DDDAF4B2B}" type="slidenum">
               <a:rPr/>
+              <a:t>36</a:t>
             </a:fld>
             <a:endParaRPr/>
           </a:p>
@@ -41352,7 +41680,6 @@
               <a:rPr spc="-1475" dirty="0"/>
               <a:t>…</a:t>
             </a:r>
-            <a:endParaRPr spc="-1475" dirty="0"/>
           </a:p>
         </p:txBody>
       </p:sp>
@@ -41363,7 +41690,7 @@
           <p:nvPr/>
         </p:nvPicPr>
         <p:blipFill>
-          <a:blip r:embed="rId1" cstate="print"/>
+          <a:blip r:embed="rId2" cstate="print"/>
           <a:stretch>
             <a:fillRect/>
           </a:stretch>
@@ -41391,9 +41718,11 @@
         <p:spPr/>
         <p:txBody>
           <a:bodyPr/>
+          <a:lstStyle/>
           <a:p>
             <a:fld id="{B6F15528-21DE-4FAA-801E-634DDDAF4B2B}" type="slidenum">
               <a:rPr/>
+              <a:t>37</a:t>
             </a:fld>
             <a:endParaRPr/>
           </a:p>
@@ -41613,7 +41942,9 @@
           <p:txBody>
             <a:bodyPr wrap="square" lIns="0" tIns="0" rIns="0" bIns="0" rtlCol="0"/>
             <a:lstStyle/>
-            <a:p/>
+            <a:p>
+              <a:endParaRPr/>
+            </a:p>
           </p:txBody>
         </p:sp>
         <p:sp>
@@ -41718,7 +42049,9 @@
           <p:txBody>
             <a:bodyPr wrap="square" lIns="0" tIns="0" rIns="0" bIns="0" rtlCol="0"/>
             <a:lstStyle/>
-            <a:p/>
+            <a:p>
+              <a:endParaRPr/>
+            </a:p>
           </p:txBody>
         </p:sp>
       </p:grpSp>
@@ -41824,7 +42157,9 @@
         <p:txBody>
           <a:bodyPr wrap="square" lIns="0" tIns="0" rIns="0" bIns="0" rtlCol="0"/>
           <a:lstStyle/>
-          <a:p/>
+          <a:p>
+            <a:endParaRPr/>
+          </a:p>
         </p:txBody>
       </p:sp>
       <p:sp>
@@ -41911,7 +42246,9 @@
         <p:txBody>
           <a:bodyPr wrap="square" lIns="0" tIns="0" rIns="0" bIns="0" rtlCol="0"/>
           <a:lstStyle/>
-          <a:p/>
+          <a:p>
+            <a:endParaRPr/>
+          </a:p>
         </p:txBody>
       </p:sp>
       <p:grpSp>
@@ -42033,7 +42370,9 @@
           <p:txBody>
             <a:bodyPr wrap="square" lIns="0" tIns="0" rIns="0" bIns="0" rtlCol="0"/>
             <a:lstStyle/>
-            <a:p/>
+            <a:p>
+              <a:endParaRPr/>
+            </a:p>
           </p:txBody>
         </p:sp>
         <p:sp>
@@ -42141,7 +42480,9 @@
           <p:txBody>
             <a:bodyPr wrap="square" lIns="0" tIns="0" rIns="0" bIns="0" rtlCol="0"/>
             <a:lstStyle/>
-            <a:p/>
+            <a:p>
+              <a:endParaRPr/>
+            </a:p>
           </p:txBody>
         </p:sp>
       </p:grpSp>
@@ -42866,9 +43207,11 @@
         <p:spPr/>
         <p:txBody>
           <a:bodyPr/>
+          <a:lstStyle/>
           <a:p>
             <a:fld id="{B6F15528-21DE-4FAA-801E-634DDDAF4B2B}" type="slidenum">
               <a:rPr/>
+              <a:t>4</a:t>
             </a:fld>
             <a:endParaRPr/>
           </a:p>
@@ -42944,7 +43287,9 @@
         <p:txBody>
           <a:bodyPr wrap="square" lIns="0" tIns="0" rIns="0" bIns="0" rtlCol="0"/>
           <a:lstStyle/>
-          <a:p/>
+          <a:p>
+            <a:endParaRPr/>
+          </a:p>
         </p:txBody>
       </p:sp>
       <p:sp>
@@ -43356,9 +43701,11 @@
         <p:spPr/>
         <p:txBody>
           <a:bodyPr/>
+          <a:lstStyle/>
           <a:p>
             <a:fld id="{B6F15528-21DE-4FAA-801E-634DDDAF4B2B}" type="slidenum">
               <a:rPr/>
+              <a:t>5</a:t>
             </a:fld>
             <a:endParaRPr/>
           </a:p>
@@ -43426,7 +43773,9 @@
         <p:txBody>
           <a:bodyPr wrap="square" lIns="0" tIns="0" rIns="0" bIns="0" rtlCol="0"/>
           <a:lstStyle/>
-          <a:p/>
+          <a:p>
+            <a:endParaRPr/>
+          </a:p>
         </p:txBody>
       </p:sp>
       <p:sp>
@@ -43526,7 +43875,7 @@
           <p:nvPr/>
         </p:nvPicPr>
         <p:blipFill>
-          <a:blip r:embed="rId1" cstate="print"/>
+          <a:blip r:embed="rId2" cstate="print"/>
           <a:stretch>
             <a:fillRect/>
           </a:stretch>
@@ -43648,17 +43997,7 @@
                 <a:latin typeface="Tahoma" panose="020B0604030504040204"/>
                 <a:cs typeface="Tahoma" panose="020B0604030504040204"/>
               </a:rPr>
-              <a:t> </a:t>
-            </a:r>
-            <a:r>
-              <a:rPr sz="3400" b="1" spc="-105" dirty="0">
-                <a:solidFill>
-                  <a:srgbClr val="F05A28"/>
-                </a:solidFill>
-                <a:latin typeface="Tahoma" panose="020B0604030504040204"/>
-                <a:cs typeface="Tahoma" panose="020B0604030504040204"/>
-              </a:rPr>
-              <a:t>f</a:t>
+              <a:t> f</a:t>
             </a:r>
             <a:r>
               <a:rPr sz="3400" b="1" spc="-65" dirty="0">
@@ -44102,17 +44441,7 @@
                 <a:latin typeface="Tahoma" panose="020B0604030504040204"/>
                 <a:cs typeface="Tahoma" panose="020B0604030504040204"/>
               </a:rPr>
-              <a:t>s</a:t>
-            </a:r>
-            <a:r>
-              <a:rPr sz="3400" b="1" spc="-105" dirty="0">
-                <a:solidFill>
-                  <a:srgbClr val="F05A28"/>
-                </a:solidFill>
-                <a:latin typeface="Tahoma" panose="020B0604030504040204"/>
-                <a:cs typeface="Tahoma" panose="020B0604030504040204"/>
-              </a:rPr>
-              <a:t>f</a:t>
+              <a:t>sf</a:t>
             </a:r>
             <a:r>
               <a:rPr sz="3400" b="1" spc="-65" dirty="0">
@@ -44986,9 +45315,11 @@
         <p:spPr/>
         <p:txBody>
           <a:bodyPr/>
+          <a:lstStyle/>
           <a:p>
             <a:fld id="{B6F15528-21DE-4FAA-801E-634DDDAF4B2B}" type="slidenum">
               <a:rPr/>
+              <a:t>6</a:t>
             </a:fld>
             <a:endParaRPr/>
           </a:p>
@@ -45056,7 +45387,9 @@
         <p:txBody>
           <a:bodyPr wrap="square" lIns="0" tIns="0" rIns="0" bIns="0" rtlCol="0"/>
           <a:lstStyle/>
-          <a:p/>
+          <a:p>
+            <a:endParaRPr/>
+          </a:p>
         </p:txBody>
       </p:sp>
       <p:sp>
@@ -45096,7 +45429,9 @@
         <p:txBody>
           <a:bodyPr wrap="square" lIns="0" tIns="0" rIns="0" bIns="0" rtlCol="0"/>
           <a:lstStyle/>
-          <a:p/>
+          <a:p>
+            <a:endParaRPr/>
+          </a:p>
         </p:txBody>
       </p:sp>
       <p:sp>
@@ -45136,7 +45471,9 @@
         <p:txBody>
           <a:bodyPr wrap="square" lIns="0" tIns="0" rIns="0" bIns="0" rtlCol="0"/>
           <a:lstStyle/>
-          <a:p/>
+          <a:p>
+            <a:endParaRPr/>
+          </a:p>
         </p:txBody>
       </p:sp>
       <p:sp>
@@ -45824,7 +46161,7 @@
           <p:nvPr/>
         </p:nvPicPr>
         <p:blipFill>
-          <a:blip r:embed="rId1" cstate="print"/>
+          <a:blip r:embed="rId2" cstate="print"/>
           <a:stretch>
             <a:fillRect/>
           </a:stretch>
@@ -45846,7 +46183,7 @@
           <p:nvPr/>
         </p:nvPicPr>
         <p:blipFill>
-          <a:blip r:embed="rId2" cstate="print"/>
+          <a:blip r:embed="rId3" cstate="print"/>
           <a:stretch>
             <a:fillRect/>
           </a:stretch>
@@ -45868,7 +46205,7 @@
           <p:nvPr/>
         </p:nvPicPr>
         <p:blipFill>
-          <a:blip r:embed="rId3" cstate="print"/>
+          <a:blip r:embed="rId4" cstate="print"/>
           <a:stretch>
             <a:fillRect/>
           </a:stretch>
@@ -45896,9 +46233,11 @@
         <p:spPr/>
         <p:txBody>
           <a:bodyPr/>
+          <a:lstStyle/>
           <a:p>
             <a:fld id="{B6F15528-21DE-4FAA-801E-634DDDAF4B2B}" type="slidenum">
               <a:rPr/>
+              <a:t>7</a:t>
             </a:fld>
             <a:endParaRPr/>
           </a:p>
@@ -46046,7 +46385,9 @@
         <p:txBody>
           <a:bodyPr wrap="square" lIns="0" tIns="0" rIns="0" bIns="0" rtlCol="0"/>
           <a:lstStyle/>
-          <a:p/>
+          <a:p>
+            <a:endParaRPr/>
+          </a:p>
         </p:txBody>
       </p:sp>
       <p:sp>
@@ -46636,7 +46977,9 @@
         <p:txBody>
           <a:bodyPr wrap="square" lIns="0" tIns="0" rIns="0" bIns="0" rtlCol="0"/>
           <a:lstStyle/>
-          <a:p/>
+          <a:p>
+            <a:endParaRPr/>
+          </a:p>
         </p:txBody>
       </p:sp>
       <p:sp>
@@ -47178,7 +47521,9 @@
         <p:txBody>
           <a:bodyPr wrap="square" lIns="0" tIns="0" rIns="0" bIns="0" rtlCol="0"/>
           <a:lstStyle/>
-          <a:p/>
+          <a:p>
+            <a:endParaRPr/>
+          </a:p>
         </p:txBody>
       </p:sp>
       <p:sp>
@@ -47511,27 +47856,7 @@
                 <a:latin typeface="Arial" panose="020B0604020202020204"/>
                 <a:cs typeface="Arial" panose="020B0604020202020204"/>
               </a:rPr>
-              <a:t>h</a:t>
-            </a:r>
-            <a:r>
-              <a:rPr sz="2700" b="1" spc="-15" dirty="0">
-                <a:solidFill>
-                  <a:srgbClr val="404040"/>
-                </a:solidFill>
-                <a:latin typeface="Arial" panose="020B0604020202020204"/>
-                <a:cs typeface="Arial" panose="020B0604020202020204"/>
-              </a:rPr>
-              <a:t>a</a:t>
-            </a:r>
-            <a:r>
-              <a:rPr sz="2700" b="1" spc="-15" dirty="0">
-                <a:solidFill>
-                  <a:srgbClr val="404040"/>
-                </a:solidFill>
-                <a:latin typeface="Arial" panose="020B0604020202020204"/>
-                <a:cs typeface="Arial" panose="020B0604020202020204"/>
-              </a:rPr>
-              <a:t>n</a:t>
+              <a:t>han</a:t>
             </a:r>
             <a:r>
               <a:rPr sz="2700" b="1" spc="-140" dirty="0">
@@ -47808,7 +48133,9 @@
         <p:txBody>
           <a:bodyPr wrap="square" lIns="0" tIns="0" rIns="0" bIns="0" rtlCol="0"/>
           <a:lstStyle/>
-          <a:p/>
+          <a:p>
+            <a:endParaRPr/>
+          </a:p>
         </p:txBody>
       </p:sp>
       <p:sp>
@@ -48070,9 +48397,11 @@
         <p:spPr/>
         <p:txBody>
           <a:bodyPr/>
+          <a:lstStyle/>
           <a:p>
             <a:fld id="{B6F15528-21DE-4FAA-801E-634DDDAF4B2B}" type="slidenum">
               <a:rPr/>
+              <a:t>8</a:t>
             </a:fld>
             <a:endParaRPr/>
           </a:p>
@@ -48302,7 +48631,9 @@
           <p:txBody>
             <a:bodyPr wrap="square" lIns="0" tIns="0" rIns="0" bIns="0" rtlCol="0"/>
             <a:lstStyle/>
-            <a:p/>
+            <a:p>
+              <a:endParaRPr/>
+            </a:p>
           </p:txBody>
         </p:sp>
         <p:sp>
@@ -48350,7 +48681,9 @@
           <p:txBody>
             <a:bodyPr wrap="square" lIns="0" tIns="0" rIns="0" bIns="0" rtlCol="0"/>
             <a:lstStyle/>
-            <a:p/>
+            <a:p>
+              <a:endParaRPr/>
+            </a:p>
           </p:txBody>
         </p:sp>
         <p:sp>
@@ -48398,7 +48731,9 @@
           <p:txBody>
             <a:bodyPr wrap="square" lIns="0" tIns="0" rIns="0" bIns="0" rtlCol="0"/>
             <a:lstStyle/>
-            <a:p/>
+            <a:p>
+              <a:endParaRPr/>
+            </a:p>
           </p:txBody>
         </p:sp>
         <p:sp>
@@ -48449,7 +48784,9 @@
           <p:txBody>
             <a:bodyPr wrap="square" lIns="0" tIns="0" rIns="0" bIns="0" rtlCol="0"/>
             <a:lstStyle/>
-            <a:p/>
+            <a:p>
+              <a:endParaRPr/>
+            </a:p>
           </p:txBody>
         </p:sp>
       </p:grpSp>
@@ -48512,7 +48849,9 @@
           <p:txBody>
             <a:bodyPr wrap="square" lIns="0" tIns="0" rIns="0" bIns="0" rtlCol="0"/>
             <a:lstStyle/>
-            <a:p/>
+            <a:p>
+              <a:endParaRPr/>
+            </a:p>
           </p:txBody>
         </p:sp>
         <p:sp>
@@ -48560,7 +48899,9 @@
           <p:txBody>
             <a:bodyPr wrap="square" lIns="0" tIns="0" rIns="0" bIns="0" rtlCol="0"/>
             <a:lstStyle/>
-            <a:p/>
+            <a:p>
+              <a:endParaRPr/>
+            </a:p>
           </p:txBody>
         </p:sp>
         <p:sp>
@@ -48608,7 +48949,9 @@
           <p:txBody>
             <a:bodyPr wrap="square" lIns="0" tIns="0" rIns="0" bIns="0" rtlCol="0"/>
             <a:lstStyle/>
-            <a:p/>
+            <a:p>
+              <a:endParaRPr/>
+            </a:p>
           </p:txBody>
         </p:sp>
         <p:sp>
@@ -48659,7 +49002,9 @@
           <p:txBody>
             <a:bodyPr wrap="square" lIns="0" tIns="0" rIns="0" bIns="0" rtlCol="0"/>
             <a:lstStyle/>
-            <a:p/>
+            <a:p>
+              <a:endParaRPr/>
+            </a:p>
           </p:txBody>
         </p:sp>
       </p:grpSp>
@@ -48722,7 +49067,9 @@
           <p:txBody>
             <a:bodyPr wrap="square" lIns="0" tIns="0" rIns="0" bIns="0" rtlCol="0"/>
             <a:lstStyle/>
-            <a:p/>
+            <a:p>
+              <a:endParaRPr/>
+            </a:p>
           </p:txBody>
         </p:sp>
         <p:sp>
@@ -48770,7 +49117,9 @@
           <p:txBody>
             <a:bodyPr wrap="square" lIns="0" tIns="0" rIns="0" bIns="0" rtlCol="0"/>
             <a:lstStyle/>
-            <a:p/>
+            <a:p>
+              <a:endParaRPr/>
+            </a:p>
           </p:txBody>
         </p:sp>
         <p:sp>
@@ -48818,7 +49167,9 @@
           <p:txBody>
             <a:bodyPr wrap="square" lIns="0" tIns="0" rIns="0" bIns="0" rtlCol="0"/>
             <a:lstStyle/>
-            <a:p/>
+            <a:p>
+              <a:endParaRPr/>
+            </a:p>
           </p:txBody>
         </p:sp>
         <p:sp>
@@ -48869,7 +49220,9 @@
           <p:txBody>
             <a:bodyPr wrap="square" lIns="0" tIns="0" rIns="0" bIns="0" rtlCol="0"/>
             <a:lstStyle/>
-            <a:p/>
+            <a:p>
+              <a:endParaRPr/>
+            </a:p>
           </p:txBody>
         </p:sp>
       </p:grpSp>
@@ -48932,7 +49285,9 @@
           <p:txBody>
             <a:bodyPr wrap="square" lIns="0" tIns="0" rIns="0" bIns="0" rtlCol="0"/>
             <a:lstStyle/>
-            <a:p/>
+            <a:p>
+              <a:endParaRPr/>
+            </a:p>
           </p:txBody>
         </p:sp>
         <p:sp>
@@ -48980,7 +49335,9 @@
           <p:txBody>
             <a:bodyPr wrap="square" lIns="0" tIns="0" rIns="0" bIns="0" rtlCol="0"/>
             <a:lstStyle/>
-            <a:p/>
+            <a:p>
+              <a:endParaRPr/>
+            </a:p>
           </p:txBody>
         </p:sp>
         <p:sp>
@@ -49028,7 +49385,9 @@
           <p:txBody>
             <a:bodyPr wrap="square" lIns="0" tIns="0" rIns="0" bIns="0" rtlCol="0"/>
             <a:lstStyle/>
-            <a:p/>
+            <a:p>
+              <a:endParaRPr/>
+            </a:p>
           </p:txBody>
         </p:sp>
         <p:sp>
@@ -49079,7 +49438,9 @@
           <p:txBody>
             <a:bodyPr wrap="square" lIns="0" tIns="0" rIns="0" bIns="0" rtlCol="0"/>
             <a:lstStyle/>
-            <a:p/>
+            <a:p>
+              <a:endParaRPr/>
+            </a:p>
           </p:txBody>
         </p:sp>
       </p:grpSp>
@@ -49142,7 +49503,9 @@
           <p:txBody>
             <a:bodyPr wrap="square" lIns="0" tIns="0" rIns="0" bIns="0" rtlCol="0"/>
             <a:lstStyle/>
-            <a:p/>
+            <a:p>
+              <a:endParaRPr/>
+            </a:p>
           </p:txBody>
         </p:sp>
         <p:sp>
@@ -49190,7 +49553,9 @@
           <p:txBody>
             <a:bodyPr wrap="square" lIns="0" tIns="0" rIns="0" bIns="0" rtlCol="0"/>
             <a:lstStyle/>
-            <a:p/>
+            <a:p>
+              <a:endParaRPr/>
+            </a:p>
           </p:txBody>
         </p:sp>
         <p:sp>
@@ -49238,7 +49603,9 @@
           <p:txBody>
             <a:bodyPr wrap="square" lIns="0" tIns="0" rIns="0" bIns="0" rtlCol="0"/>
             <a:lstStyle/>
-            <a:p/>
+            <a:p>
+              <a:endParaRPr/>
+            </a:p>
           </p:txBody>
         </p:sp>
         <p:sp>
@@ -49289,7 +49656,9 @@
           <p:txBody>
             <a:bodyPr wrap="square" lIns="0" tIns="0" rIns="0" bIns="0" rtlCol="0"/>
             <a:lstStyle/>
-            <a:p/>
+            <a:p>
+              <a:endParaRPr/>
+            </a:p>
           </p:txBody>
         </p:sp>
       </p:grpSp>
@@ -49622,7 +49991,7 @@
               </a:rPr>
               <a:t>e</a:t>
             </a:r>
-            <a:endParaRPr sz="3600">
+            <a:endParaRPr sz="3600" dirty="0">
               <a:latin typeface="Arial" panose="020B0604020202020204"/>
               <a:cs typeface="Arial" panose="020B0604020202020204"/>
             </a:endParaRPr>
@@ -49763,7 +50132,7 @@
               </a:rPr>
               <a:t>items</a:t>
             </a:r>
-            <a:endParaRPr sz="3600">
+            <a:endParaRPr sz="3600" dirty="0">
               <a:latin typeface="Arial" panose="020B0604020202020204"/>
               <a:cs typeface="Arial" panose="020B0604020202020204"/>
             </a:endParaRPr>
@@ -49911,7 +50280,7 @@
               </a:rPr>
               <a:t>time</a:t>
             </a:r>
-            <a:endParaRPr sz="3600">
+            <a:endParaRPr sz="3600" dirty="0">
               <a:latin typeface="Arial" panose="020B0604020202020204"/>
               <a:cs typeface="Arial" panose="020B0604020202020204"/>
             </a:endParaRPr>
@@ -50128,7 +50497,7 @@
               </a:rPr>
               <a:t>]</a:t>
             </a:r>
-            <a:endParaRPr sz="4000">
+            <a:endParaRPr sz="4000" dirty="0">
               <a:latin typeface="Calibri" panose="020F0502020204030204"/>
               <a:cs typeface="Calibri" panose="020F0502020204030204"/>
             </a:endParaRPr>
@@ -50152,7 +50521,7 @@
               </a:rPr>
               <a:t>Observable:</a:t>
             </a:r>
-            <a:endParaRPr sz="4000">
+            <a:endParaRPr sz="4000" dirty="0">
               <a:latin typeface="Calibri" panose="020F0502020204030204"/>
               <a:cs typeface="Calibri" panose="020F0502020204030204"/>
             </a:endParaRPr>
@@ -50166,7 +50535,7 @@
                 <a:spcPts val="30"/>
               </a:spcBef>
             </a:pPr>
-            <a:endParaRPr sz="6100">
+            <a:endParaRPr sz="6100" dirty="0">
               <a:latin typeface="Calibri" panose="020F0502020204030204"/>
               <a:cs typeface="Calibri" panose="020F0502020204030204"/>
             </a:endParaRPr>
@@ -50223,7 +50592,7 @@
               </a:rPr>
               <a:t>E</a:t>
             </a:r>
-            <a:endParaRPr sz="6000">
+            <a:endParaRPr sz="6000" dirty="0">
               <a:latin typeface="Tahoma" panose="020B0604030504040204"/>
               <a:cs typeface="Tahoma" panose="020B0604030504040204"/>
             </a:endParaRPr>
@@ -50243,9 +50612,11 @@
         <p:spPr/>
         <p:txBody>
           <a:bodyPr/>
+          <a:lstStyle/>
           <a:p>
             <a:fld id="{B6F15528-21DE-4FAA-801E-634DDDAF4B2B}" type="slidenum">
               <a:rPr/>
+              <a:t>9</a:t>
             </a:fld>
             <a:endParaRPr/>
           </a:p>
@@ -50598,30 +50969,21 @@
                             </p:childTnLst>
                           </p:cTn>
                         </p:par>
-                      </p:childTnLst>
-                    </p:cTn>
-                  </p:par>
-                  <p:par>
-                    <p:cTn id="24" fill="hold">
-                      <p:stCondLst>
-                        <p:cond delay="indefinite"/>
-                      </p:stCondLst>
-                      <p:childTnLst>
                         <p:par>
-                          <p:cTn id="25" fill="hold">
+                          <p:cTn id="24" fill="hold">
                             <p:stCondLst>
-                              <p:cond delay="0"/>
+                              <p:cond delay="8000"/>
                             </p:stCondLst>
                             <p:childTnLst>
                               <p:par>
-                                <p:cTn id="26" presetID="2" presetClass="entr" presetSubtype="8" fill="hold" nodeType="clickEffect">
+                                <p:cTn id="25" presetID="2" presetClass="entr" presetSubtype="8" fill="hold" nodeType="afterEffect">
                                   <p:stCondLst>
                                     <p:cond delay="0"/>
                                   </p:stCondLst>
                                   <p:childTnLst>
                                     <p:set>
                                       <p:cBhvr>
-                                        <p:cTn id="27" dur="2000" fill="hold">
+                                        <p:cTn id="26" dur="2000" fill="hold">
                                           <p:stCondLst>
                                             <p:cond delay="0"/>
                                           </p:stCondLst>
@@ -50639,7 +51001,7 @@
                                     </p:set>
                                     <p:anim calcmode="lin" valueType="num">
                                       <p:cBhvr additive="base">
-                                        <p:cTn id="28" dur="2000" fill="hold"/>
+                                        <p:cTn id="27" dur="2000" fill="hold"/>
                                         <p:tgtEl>
                                           <p:spTgt spid="23"/>
                                         </p:tgtEl>
@@ -50662,7 +51024,7 @@
                                     </p:anim>
                                     <p:anim calcmode="lin" valueType="num">
                                       <p:cBhvr additive="base">
-                                        <p:cTn id="29" dur="2000" fill="hold"/>
+                                        <p:cTn id="28" dur="2000" fill="hold"/>
                                         <p:tgtEl>
                                           <p:spTgt spid="23"/>
                                         </p:tgtEl>
@@ -50995,6 +51357,8 @@
       </a:bgFillStyleLst>
     </a:fmtScheme>
   </a:themeElements>
+  <a:objectDefaults/>
+  <a:extraClrSchemeLst/>
   <a:extLst>
     <a:ext uri="{05A4C25C-085E-4340-85A3-A5531E510DB2}">
       <thm15:themeFamily xmlns:thm15="http://schemas.microsoft.com/office/thememl/2012/main" name="Office Theme" id="{62F939B6-93AF-4DB8-9C6B-D6C7DFDC589F}" vid="{4A3C46E8-61CC-4603-A589-7422A47A8E4A}"/>
@@ -51254,6 +51618,8 @@
       </a:bgFillStyleLst>
     </a:fmtScheme>
   </a:themeElements>
+  <a:objectDefaults/>
+  <a:extraClrSchemeLst/>
   <a:extLst>
     <a:ext uri="{05A4C25C-085E-4340-85A3-A5531E510DB2}">
       <thm15:themeFamily xmlns:thm15="http://schemas.microsoft.com/office/thememl/2012/main" name="Office Theme" id="{62F939B6-93AF-4DB8-9C6B-D6C7DFDC589F}" vid="{4A3C46E8-61CC-4603-A589-7422A47A8E4A}"/>
